--- a/bao cao/BAO_CAO_FINAL.pptx
+++ b/bao cao/BAO_CAO_FINAL.pptx
@@ -256,7 +256,7 @@
           <a:p>
             <a:fld id="{D2BD7A4A-AF0F-4871-BECF-2DE37D95BB29}" type="datetimeFigureOut">
               <a:rPr lang="en-US" smtClean="0"/>
-              <a:t>29/10/2018</a:t>
+              <a:t>15/11/2018</a:t>
             </a:fld>
             <a:endParaRPr lang="en-US"/>
           </a:p>
@@ -4178,7 +4178,7 @@
         <p:spPr>
           <a:xfrm>
             <a:off x="4524477" y="3854801"/>
-            <a:ext cx="2765323" cy="584775"/>
+            <a:ext cx="3019323" cy="584775"/>
           </a:xfrm>
           <a:prstGeom prst="rect">
             <a:avLst/>
@@ -4193,10 +4193,42 @@
           <a:p>
             <a:pPr algn="just"/>
             <a:r>
-              <a:rPr lang="en-US"/>
-              <a:t>PGS.TS Trần Cao Đệ</a:t>
-            </a:r>
-            <a:endParaRPr lang="en-US" sz="3200"/>
+              <a:rPr lang="en-US" dirty="0" err="1"/>
+              <a:t>ThS</a:t>
+            </a:r>
+            <a:r>
+              <a:rPr lang="en-US" dirty="0"/>
+              <a:t> </a:t>
+            </a:r>
+            <a:r>
+              <a:rPr lang="en-US" dirty="0" err="1"/>
+              <a:t>Phạm</a:t>
+            </a:r>
+            <a:r>
+              <a:rPr lang="en-US" dirty="0"/>
+              <a:t> </a:t>
+            </a:r>
+            <a:r>
+              <a:rPr lang="en-US" dirty="0" err="1"/>
+              <a:t>Thị</a:t>
+            </a:r>
+            <a:r>
+              <a:rPr lang="en-US" dirty="0"/>
+              <a:t> </a:t>
+            </a:r>
+            <a:r>
+              <a:rPr lang="en-US" dirty="0" err="1"/>
+              <a:t>Xuân</a:t>
+            </a:r>
+            <a:r>
+              <a:rPr lang="en-US" dirty="0"/>
+              <a:t> </a:t>
+            </a:r>
+            <a:r>
+              <a:rPr lang="en-US" dirty="0" err="1"/>
+              <a:t>Diễm</a:t>
+            </a:r>
+            <a:endParaRPr lang="en-US" sz="3200" dirty="0"/>
           </a:p>
         </p:txBody>
       </p:sp>
@@ -9281,9 +9313,22 @@
               <a:buNone/>
             </a:pPr>
             <a:r>
-              <a:rPr lang="en-US"/>
-              <a:t>2. Mục đích</a:t>
-            </a:r>
+              <a:rPr lang="en-US" dirty="0"/>
+              <a:t>2. </a:t>
+            </a:r>
+            <a:r>
+              <a:rPr lang="en-US" dirty="0" err="1"/>
+              <a:t>Mục</a:t>
+            </a:r>
+            <a:r>
+              <a:rPr lang="en-US" dirty="0"/>
+              <a:t> </a:t>
+            </a:r>
+            <a:r>
+              <a:rPr lang="en-US" dirty="0" err="1"/>
+              <a:t>đích</a:t>
+            </a:r>
+            <a:endParaRPr lang="en-US" dirty="0"/>
           </a:p>
           <a:p>
             <a:pPr lvl="1">
@@ -9291,9 +9336,50 @@
               <a:buChar char="•"/>
             </a:pPr>
             <a:r>
-              <a:rPr lang="en-US"/>
-              <a:t>Xây dựng 1 website bán hàng trực tuyến</a:t>
-            </a:r>
+              <a:rPr lang="en-US" dirty="0" err="1"/>
+              <a:t>Xây</a:t>
+            </a:r>
+            <a:r>
+              <a:rPr lang="en-US" dirty="0"/>
+              <a:t> </a:t>
+            </a:r>
+            <a:r>
+              <a:rPr lang="en-US" dirty="0" err="1"/>
+              <a:t>dựng</a:t>
+            </a:r>
+            <a:r>
+              <a:rPr lang="en-US" dirty="0"/>
+              <a:t> 1 website </a:t>
+            </a:r>
+            <a:r>
+              <a:rPr lang="en-US" dirty="0" err="1"/>
+              <a:t>bán</a:t>
+            </a:r>
+            <a:r>
+              <a:rPr lang="en-US" dirty="0"/>
+              <a:t> </a:t>
+            </a:r>
+            <a:r>
+              <a:rPr lang="en-US" dirty="0" err="1"/>
+              <a:t>hàng</a:t>
+            </a:r>
+            <a:r>
+              <a:rPr lang="en-US" dirty="0"/>
+              <a:t> </a:t>
+            </a:r>
+            <a:r>
+              <a:rPr lang="en-US" dirty="0" err="1"/>
+              <a:t>trực</a:t>
+            </a:r>
+            <a:r>
+              <a:rPr lang="en-US" dirty="0"/>
+              <a:t> </a:t>
+            </a:r>
+            <a:r>
+              <a:rPr lang="en-US" dirty="0" err="1"/>
+              <a:t>tuyến</a:t>
+            </a:r>
+            <a:endParaRPr lang="en-US" dirty="0"/>
           </a:p>
           <a:p>
             <a:pPr lvl="1">
@@ -9301,21 +9387,111 @@
               <a:buChar char="•"/>
             </a:pPr>
             <a:r>
-              <a:rPr lang="en-US"/>
-              <a:t>Cũng cố kiến thức và kỹ năng lập trình</a:t>
-            </a:r>
+              <a:rPr lang="en-US" dirty="0" err="1"/>
+              <a:t>Cũng</a:t>
+            </a:r>
+            <a:r>
+              <a:rPr lang="en-US" dirty="0"/>
+              <a:t> </a:t>
+            </a:r>
+            <a:r>
+              <a:rPr lang="en-US" dirty="0" err="1"/>
+              <a:t>cố</a:t>
+            </a:r>
+            <a:r>
+              <a:rPr lang="en-US" dirty="0"/>
+              <a:t> </a:t>
+            </a:r>
+            <a:r>
+              <a:rPr lang="en-US" dirty="0" err="1"/>
+              <a:t>kiến</a:t>
+            </a:r>
+            <a:r>
+              <a:rPr lang="en-US" dirty="0"/>
+              <a:t> </a:t>
+            </a:r>
+            <a:r>
+              <a:rPr lang="en-US" dirty="0" err="1"/>
+              <a:t>thức</a:t>
+            </a:r>
+            <a:r>
+              <a:rPr lang="en-US" dirty="0"/>
+              <a:t> </a:t>
+            </a:r>
+            <a:r>
+              <a:rPr lang="en-US" dirty="0" err="1"/>
+              <a:t>và</a:t>
+            </a:r>
+            <a:r>
+              <a:rPr lang="en-US" dirty="0"/>
+              <a:t> </a:t>
+            </a:r>
+            <a:r>
+              <a:rPr lang="en-US" dirty="0" err="1"/>
+              <a:t>kỹ</a:t>
+            </a:r>
+            <a:r>
+              <a:rPr lang="en-US" dirty="0"/>
+              <a:t> </a:t>
+            </a:r>
+            <a:r>
+              <a:rPr lang="en-US" dirty="0" err="1"/>
+              <a:t>năng</a:t>
+            </a:r>
+            <a:r>
+              <a:rPr lang="en-US" dirty="0"/>
+              <a:t> </a:t>
+            </a:r>
+            <a:r>
+              <a:rPr lang="en-US" dirty="0" err="1"/>
+              <a:t>lập</a:t>
+            </a:r>
+            <a:r>
+              <a:rPr lang="en-US" dirty="0"/>
+              <a:t> </a:t>
+            </a:r>
+            <a:r>
+              <a:rPr lang="en-US" dirty="0" err="1"/>
+              <a:t>trình</a:t>
+            </a:r>
+            <a:endParaRPr lang="en-US" dirty="0"/>
           </a:p>
           <a:p>
             <a:pPr marL="57150" indent="0">
               <a:buNone/>
             </a:pPr>
             <a:r>
-              <a:rPr lang="en-US" sz="3600">
+              <a:rPr lang="en-US" sz="3600" dirty="0">
                 <a:ea typeface="+mn-ea"/>
                 <a:cs typeface="+mn-cs"/>
               </a:rPr>
-              <a:t>3. Yêu cầu</a:t>
-            </a:r>
+              <a:t>3. </a:t>
+            </a:r>
+            <a:r>
+              <a:rPr lang="en-US" sz="3600" dirty="0" err="1">
+                <a:ea typeface="+mn-ea"/>
+                <a:cs typeface="+mn-cs"/>
+              </a:rPr>
+              <a:t>Yêu</a:t>
+            </a:r>
+            <a:r>
+              <a:rPr lang="en-US" sz="3600" dirty="0">
+                <a:ea typeface="+mn-ea"/>
+                <a:cs typeface="+mn-cs"/>
+              </a:rPr>
+              <a:t> </a:t>
+            </a:r>
+            <a:r>
+              <a:rPr lang="en-US" sz="3600" dirty="0" err="1">
+                <a:ea typeface="+mn-ea"/>
+                <a:cs typeface="+mn-cs"/>
+              </a:rPr>
+              <a:t>cầu</a:t>
+            </a:r>
+            <a:endParaRPr lang="en-US" sz="3600" dirty="0">
+              <a:ea typeface="+mn-ea"/>
+              <a:cs typeface="+mn-cs"/>
+            </a:endParaRPr>
           </a:p>
           <a:p>
             <a:pPr marL="1028700" lvl="1" indent="-571500">
@@ -9323,38 +9499,245 @@
               <a:buChar char="•"/>
             </a:pPr>
             <a:r>
+              <a:rPr lang="en-US" dirty="0" err="1">
+                <a:ea typeface="+mn-ea"/>
+                <a:cs typeface="+mn-cs"/>
+              </a:rPr>
+              <a:t>Xây</a:t>
+            </a:r>
+            <a:r>
+              <a:rPr lang="en-US" dirty="0">
+                <a:ea typeface="+mn-ea"/>
+                <a:cs typeface="+mn-cs"/>
+              </a:rPr>
+              <a:t> </a:t>
+            </a:r>
+            <a:r>
+              <a:rPr lang="en-US" dirty="0" err="1">
+                <a:ea typeface="+mn-ea"/>
+                <a:cs typeface="+mn-cs"/>
+              </a:rPr>
+              <a:t>dựng</a:t>
+            </a:r>
+            <a:r>
+              <a:rPr lang="en-US" dirty="0">
+                <a:ea typeface="+mn-ea"/>
+                <a:cs typeface="+mn-cs"/>
+              </a:rPr>
+              <a:t> 1 website</a:t>
+            </a:r>
+          </a:p>
+          <a:p>
+            <a:pPr marL="1028700" lvl="1" indent="-571500">
+              <a:buFont typeface="Arial" panose="020B0604020202020204" pitchFamily="34" charset="0"/>
+              <a:buChar char="•"/>
+            </a:pPr>
+            <a:r>
+              <a:rPr lang="en-US" dirty="0" err="1">
+                <a:ea typeface="+mn-ea"/>
+                <a:cs typeface="+mn-cs"/>
+              </a:rPr>
+              <a:t>Hổ</a:t>
+            </a:r>
+            <a:r>
+              <a:rPr lang="en-US" dirty="0">
+                <a:ea typeface="+mn-ea"/>
+                <a:cs typeface="+mn-cs"/>
+              </a:rPr>
+              <a:t> </a:t>
+            </a:r>
+            <a:r>
+              <a:rPr lang="en-US" dirty="0" err="1">
+                <a:ea typeface="+mn-ea"/>
+                <a:cs typeface="+mn-cs"/>
+              </a:rPr>
+              <a:t>trợ</a:t>
+            </a:r>
+            <a:r>
+              <a:rPr lang="en-US" dirty="0">
+                <a:ea typeface="+mn-ea"/>
+                <a:cs typeface="+mn-cs"/>
+              </a:rPr>
+              <a:t> </a:t>
+            </a:r>
+            <a:r>
+              <a:rPr lang="en-US" dirty="0" err="1">
+                <a:ea typeface="+mn-ea"/>
+                <a:cs typeface="+mn-cs"/>
+              </a:rPr>
+              <a:t>giỏ</a:t>
+            </a:r>
+            <a:r>
+              <a:rPr lang="en-US" dirty="0">
+                <a:ea typeface="+mn-ea"/>
+                <a:cs typeface="+mn-cs"/>
+              </a:rPr>
+              <a:t> </a:t>
+            </a:r>
+            <a:r>
+              <a:rPr lang="en-US" dirty="0" err="1">
+                <a:ea typeface="+mn-ea"/>
+                <a:cs typeface="+mn-cs"/>
+              </a:rPr>
+              <a:t>hàng</a:t>
+            </a:r>
+            <a:r>
+              <a:rPr lang="en-US" dirty="0">
+                <a:ea typeface="+mn-ea"/>
+                <a:cs typeface="+mn-cs"/>
+              </a:rPr>
+              <a:t> </a:t>
+            </a:r>
+            <a:r>
+              <a:rPr lang="en-US" dirty="0" err="1">
+                <a:ea typeface="+mn-ea"/>
+                <a:cs typeface="+mn-cs"/>
+              </a:rPr>
+              <a:t>và</a:t>
+            </a:r>
+            <a:r>
+              <a:rPr lang="en-US" dirty="0">
+                <a:ea typeface="+mn-ea"/>
+                <a:cs typeface="+mn-cs"/>
+              </a:rPr>
+              <a:t> </a:t>
+            </a:r>
+            <a:r>
+              <a:rPr lang="en-US" dirty="0" err="1">
+                <a:ea typeface="+mn-ea"/>
+                <a:cs typeface="+mn-cs"/>
+              </a:rPr>
+              <a:t>đặt</a:t>
+            </a:r>
+            <a:r>
+              <a:rPr lang="en-US" dirty="0">
+                <a:ea typeface="+mn-ea"/>
+                <a:cs typeface="+mn-cs"/>
+              </a:rPr>
+              <a:t> </a:t>
+            </a:r>
+            <a:r>
+              <a:rPr lang="en-US" dirty="0" err="1">
+                <a:ea typeface="+mn-ea"/>
+                <a:cs typeface="+mn-cs"/>
+              </a:rPr>
+              <a:t>hàng</a:t>
+            </a:r>
+            <a:r>
+              <a:rPr lang="en-US" dirty="0">
+                <a:ea typeface="+mn-ea"/>
+                <a:cs typeface="+mn-cs"/>
+              </a:rPr>
+              <a:t> </a:t>
+            </a:r>
+            <a:r>
+              <a:rPr lang="en-US" dirty="0" err="1">
+                <a:ea typeface="+mn-ea"/>
+                <a:cs typeface="+mn-cs"/>
+              </a:rPr>
+              <a:t>trực</a:t>
+            </a:r>
+            <a:r>
+              <a:rPr lang="en-US" dirty="0">
+                <a:ea typeface="+mn-ea"/>
+                <a:cs typeface="+mn-cs"/>
+              </a:rPr>
+              <a:t> </a:t>
+            </a:r>
+            <a:r>
+              <a:rPr lang="en-US" dirty="0" err="1">
+                <a:ea typeface="+mn-ea"/>
+                <a:cs typeface="+mn-cs"/>
+              </a:rPr>
+              <a:t>tiếp</a:t>
+            </a:r>
+            <a:r>
+              <a:rPr lang="en-US" dirty="0">
+                <a:ea typeface="+mn-ea"/>
+                <a:cs typeface="+mn-cs"/>
+              </a:rPr>
+              <a:t> </a:t>
+            </a:r>
+            <a:r>
+              <a:rPr lang="en-US" dirty="0" err="1">
+                <a:ea typeface="+mn-ea"/>
+                <a:cs typeface="+mn-cs"/>
+              </a:rPr>
+              <a:t>trên</a:t>
+            </a:r>
+            <a:r>
+              <a:rPr lang="en-US" dirty="0">
+                <a:ea typeface="+mn-ea"/>
+                <a:cs typeface="+mn-cs"/>
+              </a:rPr>
+              <a:t> website</a:t>
+            </a:r>
+          </a:p>
+          <a:p>
+            <a:pPr marL="1028700" lvl="1" indent="-571500">
+              <a:buFont typeface="Arial" panose="020B0604020202020204" pitchFamily="34" charset="0"/>
+              <a:buChar char="•"/>
+            </a:pPr>
+            <a:r>
+              <a:rPr lang="en-US" dirty="0" err="1">
+                <a:ea typeface="+mn-ea"/>
+                <a:cs typeface="+mn-cs"/>
+              </a:rPr>
+              <a:t>Phạm</a:t>
+            </a:r>
+            <a:r>
+              <a:rPr lang="en-US" dirty="0">
+                <a:ea typeface="+mn-ea"/>
+                <a:cs typeface="+mn-cs"/>
+              </a:rPr>
+              <a:t> vi: </a:t>
+            </a:r>
+            <a:r>
+              <a:rPr lang="en-US" dirty="0" err="1">
+                <a:ea typeface="+mn-ea"/>
+                <a:cs typeface="+mn-cs"/>
+              </a:rPr>
+              <a:t>Sử</a:t>
+            </a:r>
+            <a:r>
+              <a:rPr lang="en-US" dirty="0">
+                <a:ea typeface="+mn-ea"/>
+                <a:cs typeface="+mn-cs"/>
+              </a:rPr>
+              <a:t> </a:t>
+            </a:r>
+            <a:r>
+              <a:rPr lang="en-US" dirty="0" err="1">
+                <a:ea typeface="+mn-ea"/>
+                <a:cs typeface="+mn-cs"/>
+              </a:rPr>
+              <a:t>dụng</a:t>
+            </a:r>
+            <a:r>
+              <a:rPr lang="en-US" dirty="0">
+                <a:ea typeface="+mn-ea"/>
+                <a:cs typeface="+mn-cs"/>
+              </a:rPr>
+              <a:t> </a:t>
+            </a:r>
+            <a:r>
+              <a:rPr lang="en-US" err="1">
+                <a:ea typeface="+mn-ea"/>
+                <a:cs typeface="+mn-cs"/>
+              </a:rPr>
+              <a:t>trực</a:t>
+            </a:r>
+            <a:r>
               <a:rPr lang="en-US">
                 <a:ea typeface="+mn-ea"/>
                 <a:cs typeface="+mn-cs"/>
               </a:rPr>
-              <a:t>Xây dựng 1 website</a:t>
-            </a:r>
-          </a:p>
-          <a:p>
-            <a:pPr marL="1028700" lvl="1" indent="-571500">
-              <a:buFont typeface="Arial" panose="020B0604020202020204" pitchFamily="34" charset="0"/>
-              <a:buChar char="•"/>
-            </a:pPr>
-            <a:r>
-              <a:rPr lang="en-US">
-                <a:ea typeface="+mn-ea"/>
-                <a:cs typeface="+mn-cs"/>
-              </a:rPr>
-              <a:t>Hổ trợ giỏ hàng và đặt hàng trực tiếp trên website</a:t>
-            </a:r>
-          </a:p>
-          <a:p>
-            <a:pPr marL="1028700" lvl="1" indent="-571500">
-              <a:buFont typeface="Arial" panose="020B0604020202020204" pitchFamily="34" charset="0"/>
-              <a:buChar char="•"/>
-            </a:pPr>
-            <a:r>
-              <a:rPr lang="en-US">
-                <a:ea typeface="+mn-ea"/>
-                <a:cs typeface="+mn-cs"/>
-              </a:rPr>
-              <a:t>Phạm vi: Sử dụng trực tuyến online</a:t>
-            </a:r>
+              <a:t> tuyến</a:t>
+            </a:r>
+            <a:endParaRPr lang="en-US" dirty="0">
+              <a:ea typeface="+mn-ea"/>
+              <a:cs typeface="+mn-cs"/>
+            </a:endParaRPr>
           </a:p>
         </p:txBody>
       </p:sp>

--- a/bao cao/BAO_CAO_FINAL.pptx
+++ b/bao cao/BAO_CAO_FINAL.pptx
@@ -2991,7 +2991,7 @@
           <a:p>
             <a:pPr lvl="0"/>
             <a:r>
-              <a:rPr lang="en-US"/>
+              <a:rPr lang="en-US" dirty="0"/>
               <a:t>Click to edit Master title style</a:t>
             </a:r>
           </a:p>
@@ -3670,6 +3670,7 @@
                 <a:solidFill>
                   <a:srgbClr val="FF0000"/>
                 </a:solidFill>
+                <a:latin typeface="+mn-lt"/>
               </a:rPr>
               <a:t>BÁO CÁO ĐỒ ÁN NIÊN LUẬN CƠ SỞ</a:t>
             </a:r>
@@ -3698,11 +3699,10 @@
           <a:p>
             <a:pPr lvl="1"/>
             <a:r>
-              <a:rPr lang="en-US" sz="3200" b="1">
+              <a:rPr lang="en-US" sz="3200" b="1" dirty="0">
                 <a:solidFill>
                   <a:srgbClr val="C00000"/>
                 </a:solidFill>
-                <a:latin typeface="Times New Roman" panose="02020603050405020304" pitchFamily="18" charset="0"/>
                 <a:cs typeface="Times New Roman" panose="02020603050405020304" pitchFamily="18" charset="0"/>
               </a:rPr>
               <a:t>ĐẠI HỌC CẦN THƠ</a:t>
@@ -3711,11 +3711,10 @@
           <a:p>
             <a:pPr lvl="1"/>
             <a:r>
-              <a:rPr lang="en-US" sz="3200" b="1">
+              <a:rPr lang="en-US" sz="3200" b="1" dirty="0">
                 <a:solidFill>
                   <a:srgbClr val="C00000"/>
                 </a:solidFill>
-                <a:latin typeface="Times New Roman" panose="02020603050405020304" pitchFamily="18" charset="0"/>
                 <a:cs typeface="Times New Roman" panose="02020603050405020304" pitchFamily="18" charset="0"/>
               </a:rPr>
               <a:t>KHOA CÔNG NGHỆ THÔNG TIN VÀ TRUYỀN THÔNG</a:t>
@@ -3723,11 +3722,10 @@
           </a:p>
           <a:p>
             <a:pPr lvl="1"/>
-            <a:endParaRPr lang="en-US" sz="3200" b="1">
+            <a:endParaRPr lang="en-US" sz="3200" b="1" dirty="0">
               <a:solidFill>
                 <a:srgbClr val="C00000"/>
               </a:solidFill>
-              <a:latin typeface="Times New Roman" panose="02020603050405020304" pitchFamily="18" charset="0"/>
               <a:cs typeface="Times New Roman" panose="02020603050405020304" pitchFamily="18" charset="0"/>
             </a:endParaRPr>
           </a:p>
@@ -3757,30 +3755,44 @@
           <a:p>
             <a:pPr algn="just"/>
             <a:r>
-              <a:rPr lang="en-US" err="1"/>
+              <a:rPr lang="en-US" err="1">
+                <a:latin typeface="+mn-lt"/>
+              </a:rPr>
               <a:t>Giáo</a:t>
             </a:r>
             <a:r>
-              <a:rPr lang="en-US"/>
+              <a:rPr lang="en-US">
+                <a:latin typeface="+mn-lt"/>
+              </a:rPr>
               <a:t> </a:t>
             </a:r>
             <a:r>
-              <a:rPr lang="en-US" err="1"/>
+              <a:rPr lang="en-US" err="1">
+                <a:latin typeface="+mn-lt"/>
+              </a:rPr>
               <a:t>viên</a:t>
             </a:r>
             <a:r>
-              <a:rPr lang="en-US"/>
+              <a:rPr lang="en-US">
+                <a:latin typeface="+mn-lt"/>
+              </a:rPr>
               <a:t> </a:t>
             </a:r>
             <a:r>
-              <a:rPr lang="en-US" err="1"/>
+              <a:rPr lang="en-US" err="1">
+                <a:latin typeface="+mn-lt"/>
+              </a:rPr>
               <a:t>hướng</a:t>
             </a:r>
             <a:r>
-              <a:rPr lang="en-US"/>
+              <a:rPr lang="en-US">
+                <a:latin typeface="+mn-lt"/>
+              </a:rPr>
               <a:t> dẫn:</a:t>
             </a:r>
-            <a:endParaRPr lang="en-US" sz="3200"/>
+            <a:endParaRPr lang="en-US" sz="3200">
+              <a:latin typeface="+mn-lt"/>
+            </a:endParaRPr>
           </a:p>
         </p:txBody>
       </p:sp>
@@ -3808,55 +3820,75 @@
           <a:p>
             <a:pPr algn="just"/>
             <a:r>
-              <a:rPr lang="en-US" err="1"/>
+              <a:rPr lang="en-US" err="1">
+                <a:latin typeface="+mn-lt"/>
+              </a:rPr>
               <a:t>Sinh</a:t>
             </a:r>
             <a:r>
-              <a:rPr lang="en-US"/>
+              <a:rPr lang="en-US">
+                <a:latin typeface="+mn-lt"/>
+              </a:rPr>
               <a:t> </a:t>
             </a:r>
             <a:r>
-              <a:rPr lang="en-US" err="1"/>
+              <a:rPr lang="en-US" err="1">
+                <a:latin typeface="+mn-lt"/>
+              </a:rPr>
               <a:t>viên</a:t>
             </a:r>
             <a:r>
-              <a:rPr lang="en-US"/>
+              <a:rPr lang="en-US">
+                <a:latin typeface="+mn-lt"/>
+              </a:rPr>
               <a:t> </a:t>
             </a:r>
             <a:r>
-              <a:rPr lang="en-US" err="1"/>
+              <a:rPr lang="en-US" err="1">
+                <a:latin typeface="+mn-lt"/>
+              </a:rPr>
               <a:t>thực</a:t>
             </a:r>
             <a:r>
-              <a:rPr lang="en-US"/>
+              <a:rPr lang="en-US">
+                <a:latin typeface="+mn-lt"/>
+              </a:rPr>
               <a:t> hiện:</a:t>
             </a:r>
           </a:p>
           <a:p>
             <a:pPr algn="just"/>
             <a:r>
-              <a:rPr lang="en-US"/>
+              <a:rPr lang="en-US">
+                <a:latin typeface="+mn-lt"/>
+              </a:rPr>
               <a:t>Mã số sinh viên:</a:t>
             </a:r>
           </a:p>
           <a:p>
             <a:pPr algn="just"/>
             <a:r>
-              <a:rPr lang="en-US"/>
+              <a:rPr lang="en-US">
+                <a:latin typeface="+mn-lt"/>
+              </a:rPr>
               <a:t>Lớp</a:t>
             </a:r>
           </a:p>
           <a:p>
             <a:pPr algn="just"/>
             <a:r>
-              <a:rPr lang="en-US"/>
+              <a:rPr lang="en-US">
+                <a:latin typeface="+mn-lt"/>
+              </a:rPr>
               <a:t>Ngành:</a:t>
             </a:r>
           </a:p>
           <a:p>
             <a:pPr algn="just"/>
             <a:r>
-              <a:rPr lang="en-US"/>
+              <a:rPr lang="en-US">
+                <a:latin typeface="+mn-lt"/>
+              </a:rPr>
               <a:t>Chuyên ngành:</a:t>
             </a:r>
           </a:p>
@@ -4044,6 +4076,7 @@
                 <a:solidFill>
                   <a:srgbClr val="FF0000"/>
                 </a:solidFill>
+                <a:latin typeface="+mn-lt"/>
               </a:rPr>
               <a:t>Website </a:t>
             </a:r>
@@ -4052,6 +4085,7 @@
                 <a:solidFill>
                   <a:srgbClr val="FF0000"/>
                 </a:solidFill>
+                <a:latin typeface="+mn-lt"/>
               </a:rPr>
               <a:t>quản</a:t>
             </a:r>
@@ -4060,6 +4094,7 @@
                 <a:solidFill>
                   <a:srgbClr val="FF0000"/>
                 </a:solidFill>
+                <a:latin typeface="+mn-lt"/>
               </a:rPr>
               <a:t> </a:t>
             </a:r>
@@ -4068,6 +4103,7 @@
                 <a:solidFill>
                   <a:srgbClr val="FF0000"/>
                 </a:solidFill>
+                <a:latin typeface="+mn-lt"/>
               </a:rPr>
               <a:t>lí</a:t>
             </a:r>
@@ -4076,6 +4112,7 @@
                 <a:solidFill>
                   <a:srgbClr val="FF0000"/>
                 </a:solidFill>
+                <a:latin typeface="+mn-lt"/>
               </a:rPr>
               <a:t> </a:t>
             </a:r>
@@ -4084,6 +4121,7 @@
                 <a:solidFill>
                   <a:srgbClr val="FF0000"/>
                 </a:solidFill>
+                <a:latin typeface="+mn-lt"/>
               </a:rPr>
               <a:t>bán</a:t>
             </a:r>
@@ -4092,6 +4130,7 @@
                 <a:solidFill>
                   <a:srgbClr val="FF0000"/>
                 </a:solidFill>
+                <a:latin typeface="+mn-lt"/>
               </a:rPr>
               <a:t> </a:t>
             </a:r>
@@ -4100,6 +4139,7 @@
                 <a:solidFill>
                   <a:srgbClr val="FF0000"/>
                 </a:solidFill>
+                <a:latin typeface="+mn-lt"/>
               </a:rPr>
               <a:t>truyện</a:t>
             </a:r>
@@ -4107,6 +4147,7 @@
               <a:solidFill>
                 <a:srgbClr val="FF0000"/>
               </a:solidFill>
+              <a:latin typeface="+mn-lt"/>
             </a:endParaRPr>
           </a:p>
         </p:txBody>
@@ -4135,35 +4176,45 @@
           <a:p>
             <a:pPr algn="just"/>
             <a:r>
-              <a:rPr lang="en-US"/>
+              <a:rPr lang="en-US">
+                <a:latin typeface="+mn-lt"/>
+              </a:rPr>
               <a:t>Nguyễn Văn Vĩ</a:t>
             </a:r>
           </a:p>
           <a:p>
             <a:pPr algn="just"/>
             <a:r>
-              <a:rPr lang="en-US"/>
+              <a:rPr lang="en-US">
+                <a:latin typeface="+mn-lt"/>
+              </a:rPr>
               <a:t>B1507343</a:t>
             </a:r>
           </a:p>
           <a:p>
             <a:pPr algn="just"/>
             <a:r>
-              <a:rPr lang="en-US"/>
+              <a:rPr lang="en-US">
+                <a:latin typeface="+mn-lt"/>
+              </a:rPr>
               <a:t>DI15V7A2</a:t>
             </a:r>
           </a:p>
           <a:p>
             <a:pPr algn="just"/>
             <a:r>
-              <a:rPr lang="en-US"/>
+              <a:rPr lang="en-US">
+                <a:latin typeface="+mn-lt"/>
+              </a:rPr>
               <a:t>Công nghệ thông tin</a:t>
             </a:r>
           </a:p>
           <a:p>
             <a:pPr algn="just"/>
             <a:r>
-              <a:rPr lang="en-US"/>
+              <a:rPr lang="en-US">
+                <a:latin typeface="+mn-lt"/>
+              </a:rPr>
               <a:t>Công nghệ thông tin</a:t>
             </a:r>
           </a:p>
@@ -4193,42 +4244,62 @@
           <a:p>
             <a:pPr algn="just"/>
             <a:r>
-              <a:rPr lang="en-US" dirty="0" err="1"/>
+              <a:rPr lang="en-US" dirty="0" err="1">
+                <a:latin typeface="+mn-lt"/>
+              </a:rPr>
               <a:t>ThS</a:t>
             </a:r>
             <a:r>
-              <a:rPr lang="en-US" dirty="0"/>
+              <a:rPr lang="en-US" dirty="0">
+                <a:latin typeface="+mn-lt"/>
+              </a:rPr>
               <a:t> </a:t>
             </a:r>
             <a:r>
-              <a:rPr lang="en-US" dirty="0" err="1"/>
+              <a:rPr lang="en-US" dirty="0" err="1">
+                <a:latin typeface="+mn-lt"/>
+              </a:rPr>
               <a:t>Phạm</a:t>
             </a:r>
             <a:r>
-              <a:rPr lang="en-US" dirty="0"/>
+              <a:rPr lang="en-US" dirty="0">
+                <a:latin typeface="+mn-lt"/>
+              </a:rPr>
               <a:t> </a:t>
             </a:r>
             <a:r>
-              <a:rPr lang="en-US" dirty="0" err="1"/>
+              <a:rPr lang="en-US" dirty="0" err="1">
+                <a:latin typeface="+mn-lt"/>
+              </a:rPr>
               <a:t>Thị</a:t>
             </a:r>
             <a:r>
-              <a:rPr lang="en-US" dirty="0"/>
+              <a:rPr lang="en-US" dirty="0">
+                <a:latin typeface="+mn-lt"/>
+              </a:rPr>
               <a:t> </a:t>
             </a:r>
             <a:r>
-              <a:rPr lang="en-US" dirty="0" err="1"/>
+              <a:rPr lang="en-US" dirty="0" err="1">
+                <a:latin typeface="+mn-lt"/>
+              </a:rPr>
               <a:t>Xuân</a:t>
             </a:r>
             <a:r>
-              <a:rPr lang="en-US" dirty="0"/>
+              <a:rPr lang="en-US" dirty="0">
+                <a:latin typeface="+mn-lt"/>
+              </a:rPr>
               <a:t> </a:t>
             </a:r>
             <a:r>
-              <a:rPr lang="en-US" dirty="0" err="1"/>
+              <a:rPr lang="en-US" dirty="0" err="1">
+                <a:latin typeface="+mn-lt"/>
+              </a:rPr>
               <a:t>Diễm</a:t>
             </a:r>
-            <a:endParaRPr lang="en-US" sz="3200" dirty="0"/>
+            <a:endParaRPr lang="en-US" sz="3200" dirty="0">
+              <a:latin typeface="+mn-lt"/>
+            </a:endParaRPr>
           </a:p>
         </p:txBody>
       </p:sp>
@@ -4256,7 +4327,9 @@
           <a:p>
             <a:pPr algn="ctr"/>
             <a:r>
-              <a:rPr lang="en-US" sz="1200"/>
+              <a:rPr lang="en-US" sz="1200">
+                <a:latin typeface="+mn-lt"/>
+              </a:rPr>
               <a:t>Cần Thơ 2018</a:t>
             </a:r>
           </a:p>
@@ -4702,7 +4775,6 @@
                 <a:solidFill>
                   <a:schemeClr val="tx1"/>
                 </a:solidFill>
-                <a:latin typeface="Times New Roman" panose="02020603050405020304" pitchFamily="18" charset="0"/>
                 <a:cs typeface="Times New Roman" panose="02020603050405020304" pitchFamily="18" charset="0"/>
               </a:rPr>
               <a:t>III. Công nghệ và công cụ thực hiện</a:t>
@@ -4734,8 +4806,28 @@
               <a:buAutoNum type="arabicPeriod"/>
             </a:pPr>
             <a:r>
-              <a:rPr lang="en-US"/>
-              <a:t>Công nghệ:</a:t>
+              <a:rPr lang="en-US" dirty="0" err="1">
+                <a:latin typeface="+mj-lt"/>
+              </a:rPr>
+              <a:t>Công</a:t>
+            </a:r>
+            <a:r>
+              <a:rPr lang="en-US" dirty="0">
+                <a:latin typeface="+mj-lt"/>
+              </a:rPr>
+              <a:t> </a:t>
+            </a:r>
+            <a:r>
+              <a:rPr lang="en-US" dirty="0" err="1">
+                <a:latin typeface="+mj-lt"/>
+              </a:rPr>
+              <a:t>nghệ</a:t>
+            </a:r>
+            <a:r>
+              <a:rPr lang="en-US" dirty="0">
+                <a:latin typeface="+mj-lt"/>
+              </a:rPr>
+              <a:t>:</a:t>
             </a:r>
           </a:p>
           <a:p>
@@ -4744,8 +4836,22 @@
               <a:buAutoNum type="alphaLcParenR"/>
             </a:pPr>
             <a:r>
-              <a:rPr lang="en-US"/>
-              <a:t>Frontend: HTML, CSS, JavaScript, Boostrap, jQuery</a:t>
+              <a:rPr lang="en-US" dirty="0">
+                <a:latin typeface="+mj-lt"/>
+              </a:rPr>
+              <a:t>Frontend: HTML, CSS, JavaScript, </a:t>
+            </a:r>
+            <a:r>
+              <a:rPr lang="en-US" dirty="0" err="1">
+                <a:latin typeface="+mj-lt"/>
+              </a:rPr>
+              <a:t>Boostrap</a:t>
+            </a:r>
+            <a:r>
+              <a:rPr lang="en-US" dirty="0">
+                <a:latin typeface="+mj-lt"/>
+              </a:rPr>
+              <a:t>, jQuery</a:t>
             </a:r>
           </a:p>
           <a:p>
@@ -4754,7 +4860,9 @@
               <a:buAutoNum type="alphaLcParenR"/>
             </a:pPr>
             <a:r>
-              <a:rPr lang="en-US"/>
+              <a:rPr lang="en-US" dirty="0">
+                <a:latin typeface="+mj-lt"/>
+              </a:rPr>
               <a:t>Backend: Laravel (PHP Framework)</a:t>
             </a:r>
           </a:p>
@@ -4763,8 +4871,52 @@
               <a:buAutoNum type="alphaLcParenR"/>
             </a:pPr>
             <a:r>
-              <a:rPr lang="en-US"/>
-              <a:t>Cơ sở dữ liệu: MSQL</a:t>
+              <a:rPr lang="en-US" dirty="0" err="1">
+                <a:latin typeface="+mj-lt"/>
+              </a:rPr>
+              <a:t>Cơ</a:t>
+            </a:r>
+            <a:r>
+              <a:rPr lang="en-US" dirty="0">
+                <a:latin typeface="+mj-lt"/>
+              </a:rPr>
+              <a:t> </a:t>
+            </a:r>
+            <a:r>
+              <a:rPr lang="en-US" dirty="0" err="1">
+                <a:latin typeface="+mj-lt"/>
+              </a:rPr>
+              <a:t>sở</a:t>
+            </a:r>
+            <a:r>
+              <a:rPr lang="en-US" dirty="0">
+                <a:latin typeface="+mj-lt"/>
+              </a:rPr>
+              <a:t> </a:t>
+            </a:r>
+            <a:r>
+              <a:rPr lang="en-US" dirty="0" err="1">
+                <a:latin typeface="+mj-lt"/>
+              </a:rPr>
+              <a:t>dữ</a:t>
+            </a:r>
+            <a:r>
+              <a:rPr lang="en-US" dirty="0">
+                <a:latin typeface="+mj-lt"/>
+              </a:rPr>
+              <a:t> </a:t>
+            </a:r>
+            <a:r>
+              <a:rPr lang="en-US" dirty="0" err="1">
+                <a:latin typeface="+mj-lt"/>
+              </a:rPr>
+              <a:t>liệu</a:t>
+            </a:r>
+            <a:r>
+              <a:rPr lang="en-US" dirty="0">
+                <a:latin typeface="+mj-lt"/>
+              </a:rPr>
+              <a:t>: MSQL</a:t>
             </a:r>
           </a:p>
           <a:p>
@@ -4772,9 +4924,50 @@
               <a:buAutoNum type="arabicPeriod"/>
             </a:pPr>
             <a:r>
-              <a:rPr lang="en-US"/>
-              <a:t>Công cụ thực hiện</a:t>
-            </a:r>
+              <a:rPr lang="en-US" dirty="0" err="1">
+                <a:latin typeface="+mj-lt"/>
+              </a:rPr>
+              <a:t>Công</a:t>
+            </a:r>
+            <a:r>
+              <a:rPr lang="en-US" dirty="0">
+                <a:latin typeface="+mj-lt"/>
+              </a:rPr>
+              <a:t> </a:t>
+            </a:r>
+            <a:r>
+              <a:rPr lang="en-US" dirty="0" err="1">
+                <a:latin typeface="+mj-lt"/>
+              </a:rPr>
+              <a:t>cụ</a:t>
+            </a:r>
+            <a:r>
+              <a:rPr lang="en-US" dirty="0">
+                <a:latin typeface="+mj-lt"/>
+              </a:rPr>
+              <a:t> </a:t>
+            </a:r>
+            <a:r>
+              <a:rPr lang="en-US" dirty="0" err="1">
+                <a:latin typeface="+mj-lt"/>
+              </a:rPr>
+              <a:t>thực</a:t>
+            </a:r>
+            <a:r>
+              <a:rPr lang="en-US" dirty="0">
+                <a:latin typeface="+mj-lt"/>
+              </a:rPr>
+              <a:t> </a:t>
+            </a:r>
+            <a:r>
+              <a:rPr lang="en-US" dirty="0" err="1">
+                <a:latin typeface="+mj-lt"/>
+              </a:rPr>
+              <a:t>hiện</a:t>
+            </a:r>
+            <a:endParaRPr lang="en-US" dirty="0">
+              <a:latin typeface="+mj-lt"/>
+            </a:endParaRPr>
           </a:p>
           <a:p>
             <a:pPr marL="914400" lvl="1" indent="-514350">
@@ -4782,9 +4975,14 @@
               <a:buAutoNum type="alphaLcParenR"/>
             </a:pPr>
             <a:r>
-              <a:rPr lang="en-US"/>
+              <a:rPr lang="en-US" dirty="0" err="1">
+                <a:latin typeface="+mj-lt"/>
+              </a:rPr>
               <a:t>Xampp</a:t>
             </a:r>
+            <a:endParaRPr lang="en-US" dirty="0">
+              <a:latin typeface="+mj-lt"/>
+            </a:endParaRPr>
           </a:p>
           <a:p>
             <a:pPr marL="914400" lvl="1" indent="-514350">
@@ -4792,9 +4990,14 @@
               <a:buAutoNum type="alphaLcParenR"/>
             </a:pPr>
             <a:r>
-              <a:rPr lang="en-US"/>
+              <a:rPr lang="en-US" dirty="0" err="1">
+                <a:latin typeface="+mj-lt"/>
+              </a:rPr>
               <a:t>PHPStorm</a:t>
             </a:r>
+            <a:endParaRPr lang="en-US" dirty="0">
+              <a:latin typeface="+mj-lt"/>
+            </a:endParaRPr>
           </a:p>
         </p:txBody>
       </p:sp>
@@ -5150,7 +5353,6 @@
                 <a:solidFill>
                   <a:schemeClr val="tx1"/>
                 </a:solidFill>
-                <a:latin typeface="Times New Roman" panose="02020603050405020304" pitchFamily="18" charset="0"/>
                 <a:cs typeface="Times New Roman" panose="02020603050405020304" pitchFamily="18" charset="0"/>
               </a:rPr>
               <a:t>IV. Kết quả chương trình</a:t>
@@ -5182,230 +5384,338 @@
               <a:buAutoNum type="arabicPeriod"/>
             </a:pPr>
             <a:r>
-              <a:rPr lang="en-US" sz="2400" dirty="0" err="1"/>
+              <a:rPr lang="en-US" sz="2400" dirty="0" err="1">
+                <a:latin typeface="+mj-lt"/>
+              </a:rPr>
               <a:t>Xem</a:t>
             </a:r>
             <a:r>
-              <a:rPr lang="en-US" sz="2400" dirty="0"/>
+              <a:rPr lang="en-US" sz="2400" dirty="0">
+                <a:latin typeface="+mj-lt"/>
+              </a:rPr>
               <a:t> </a:t>
             </a:r>
             <a:r>
-              <a:rPr lang="en-US" sz="2400" dirty="0" err="1"/>
+              <a:rPr lang="en-US" sz="2400" dirty="0" err="1">
+                <a:latin typeface="+mj-lt"/>
+              </a:rPr>
               <a:t>sản</a:t>
             </a:r>
             <a:r>
-              <a:rPr lang="en-US" sz="2400" dirty="0"/>
+              <a:rPr lang="en-US" sz="2400" dirty="0">
+                <a:latin typeface="+mj-lt"/>
+              </a:rPr>
               <a:t> </a:t>
             </a:r>
             <a:r>
-              <a:rPr lang="en-US" sz="2400" dirty="0" err="1"/>
+              <a:rPr lang="en-US" sz="2400" dirty="0" err="1">
+                <a:latin typeface="+mj-lt"/>
+              </a:rPr>
               <a:t>phẩm</a:t>
             </a:r>
-            <a:endParaRPr lang="en-US" sz="2400" dirty="0"/>
+            <a:endParaRPr lang="en-US" sz="2400" dirty="0">
+              <a:latin typeface="+mj-lt"/>
+            </a:endParaRPr>
           </a:p>
           <a:p>
             <a:pPr marL="514350" indent="-514350">
               <a:buAutoNum type="arabicPeriod"/>
             </a:pPr>
             <a:r>
-              <a:rPr lang="en-US" sz="2400" dirty="0" err="1"/>
+              <a:rPr lang="en-US" sz="2400" dirty="0" err="1">
+                <a:latin typeface="+mj-lt"/>
+              </a:rPr>
               <a:t>Tìm</a:t>
             </a:r>
             <a:r>
-              <a:rPr lang="en-US" sz="2400" dirty="0"/>
+              <a:rPr lang="en-US" sz="2400" dirty="0">
+                <a:latin typeface="+mj-lt"/>
+              </a:rPr>
               <a:t> </a:t>
             </a:r>
             <a:r>
-              <a:rPr lang="en-US" sz="2400" dirty="0" err="1"/>
+              <a:rPr lang="en-US" sz="2400" dirty="0" err="1">
+                <a:latin typeface="+mj-lt"/>
+              </a:rPr>
               <a:t>sản</a:t>
             </a:r>
             <a:r>
-              <a:rPr lang="en-US" sz="2400" dirty="0"/>
+              <a:rPr lang="en-US" sz="2400" dirty="0">
+                <a:latin typeface="+mj-lt"/>
+              </a:rPr>
               <a:t> </a:t>
             </a:r>
             <a:r>
-              <a:rPr lang="en-US" sz="2400" dirty="0" err="1"/>
+              <a:rPr lang="en-US" sz="2400" dirty="0" err="1">
+                <a:latin typeface="+mj-lt"/>
+              </a:rPr>
               <a:t>phẩm</a:t>
             </a:r>
-            <a:endParaRPr lang="en-US" sz="2400" dirty="0"/>
+            <a:endParaRPr lang="en-US" sz="2400" dirty="0">
+              <a:latin typeface="+mj-lt"/>
+            </a:endParaRPr>
           </a:p>
           <a:p>
             <a:pPr marL="514350" indent="-514350">
               <a:buAutoNum type="arabicPeriod"/>
             </a:pPr>
             <a:r>
-              <a:rPr lang="en-US" sz="2400" dirty="0" err="1"/>
+              <a:rPr lang="en-US" sz="2400" dirty="0" err="1">
+                <a:latin typeface="+mj-lt"/>
+              </a:rPr>
               <a:t>Xem</a:t>
             </a:r>
             <a:r>
-              <a:rPr lang="en-US" sz="2400" dirty="0"/>
+              <a:rPr lang="en-US" sz="2400" dirty="0">
+                <a:latin typeface="+mj-lt"/>
+              </a:rPr>
               <a:t> tin </a:t>
             </a:r>
             <a:r>
-              <a:rPr lang="en-US" sz="2400" dirty="0" err="1"/>
+              <a:rPr lang="en-US" sz="2400" dirty="0" err="1">
+                <a:latin typeface="+mj-lt"/>
+              </a:rPr>
               <a:t>tức</a:t>
             </a:r>
-            <a:endParaRPr lang="en-US" sz="2400" dirty="0"/>
+            <a:endParaRPr lang="en-US" sz="2400" dirty="0">
+              <a:latin typeface="+mj-lt"/>
+            </a:endParaRPr>
           </a:p>
           <a:p>
             <a:pPr marL="514350" indent="-514350">
               <a:buAutoNum type="arabicPeriod"/>
             </a:pPr>
             <a:r>
-              <a:rPr lang="en-US" sz="2400" dirty="0" err="1"/>
+              <a:rPr lang="en-US" sz="2400" dirty="0" err="1">
+                <a:latin typeface="+mj-lt"/>
+              </a:rPr>
               <a:t>Thêm</a:t>
             </a:r>
             <a:r>
-              <a:rPr lang="en-US" sz="2400" dirty="0"/>
+              <a:rPr lang="en-US" sz="2400" dirty="0">
+                <a:latin typeface="+mj-lt"/>
+              </a:rPr>
               <a:t> </a:t>
             </a:r>
             <a:r>
-              <a:rPr lang="en-US" sz="2400" dirty="0" err="1"/>
+              <a:rPr lang="en-US" sz="2400" dirty="0" err="1">
+                <a:latin typeface="+mj-lt"/>
+              </a:rPr>
               <a:t>sản</a:t>
             </a:r>
             <a:r>
-              <a:rPr lang="en-US" sz="2400" dirty="0"/>
+              <a:rPr lang="en-US" sz="2400" dirty="0">
+                <a:latin typeface="+mj-lt"/>
+              </a:rPr>
               <a:t> </a:t>
             </a:r>
             <a:r>
-              <a:rPr lang="en-US" sz="2400" dirty="0" err="1"/>
+              <a:rPr lang="en-US" sz="2400" dirty="0" err="1">
+                <a:latin typeface="+mj-lt"/>
+              </a:rPr>
               <a:t>phẩm</a:t>
             </a:r>
             <a:r>
-              <a:rPr lang="en-US" sz="2400" dirty="0"/>
+              <a:rPr lang="en-US" sz="2400" dirty="0">
+                <a:latin typeface="+mj-lt"/>
+              </a:rPr>
               <a:t> </a:t>
             </a:r>
             <a:r>
-              <a:rPr lang="en-US" sz="2400" dirty="0" err="1"/>
+              <a:rPr lang="en-US" sz="2400" dirty="0" err="1">
+                <a:latin typeface="+mj-lt"/>
+              </a:rPr>
               <a:t>vào</a:t>
             </a:r>
             <a:r>
-              <a:rPr lang="en-US" sz="2400" dirty="0"/>
+              <a:rPr lang="en-US" sz="2400" dirty="0">
+                <a:latin typeface="+mj-lt"/>
+              </a:rPr>
               <a:t> </a:t>
             </a:r>
             <a:r>
-              <a:rPr lang="en-US" sz="2400" dirty="0" err="1"/>
+              <a:rPr lang="en-US" sz="2400" dirty="0" err="1">
+                <a:latin typeface="+mj-lt"/>
+              </a:rPr>
               <a:t>giỏ</a:t>
             </a:r>
             <a:r>
-              <a:rPr lang="en-US" sz="2400" dirty="0"/>
+              <a:rPr lang="en-US" sz="2400" dirty="0">
+                <a:latin typeface="+mj-lt"/>
+              </a:rPr>
               <a:t> </a:t>
             </a:r>
             <a:r>
-              <a:rPr lang="en-US" sz="2400" dirty="0" err="1"/>
+              <a:rPr lang="en-US" sz="2400" dirty="0" err="1">
+                <a:latin typeface="+mj-lt"/>
+              </a:rPr>
               <a:t>hàng</a:t>
             </a:r>
-            <a:endParaRPr lang="en-US" sz="2400" dirty="0"/>
+            <a:endParaRPr lang="en-US" sz="2400" dirty="0">
+              <a:latin typeface="+mj-lt"/>
+            </a:endParaRPr>
           </a:p>
           <a:p>
             <a:pPr marL="514350" indent="-514350">
               <a:buAutoNum type="arabicPeriod"/>
             </a:pPr>
             <a:r>
-              <a:rPr lang="en-US" sz="2400" dirty="0" err="1"/>
+              <a:rPr lang="en-US" sz="2400" dirty="0" err="1">
+                <a:latin typeface="+mj-lt"/>
+              </a:rPr>
               <a:t>Xoá</a:t>
             </a:r>
             <a:r>
-              <a:rPr lang="en-US" sz="2400" dirty="0"/>
+              <a:rPr lang="en-US" sz="2400" dirty="0">
+                <a:latin typeface="+mj-lt"/>
+              </a:rPr>
               <a:t> </a:t>
             </a:r>
             <a:r>
-              <a:rPr lang="en-US" sz="2400" dirty="0" err="1"/>
+              <a:rPr lang="en-US" sz="2400" dirty="0" err="1">
+                <a:latin typeface="+mj-lt"/>
+              </a:rPr>
               <a:t>sản</a:t>
             </a:r>
             <a:r>
-              <a:rPr lang="en-US" sz="2400" dirty="0"/>
+              <a:rPr lang="en-US" sz="2400" dirty="0">
+                <a:latin typeface="+mj-lt"/>
+              </a:rPr>
               <a:t> </a:t>
             </a:r>
             <a:r>
-              <a:rPr lang="en-US" sz="2400" dirty="0" err="1"/>
+              <a:rPr lang="en-US" sz="2400" dirty="0" err="1">
+                <a:latin typeface="+mj-lt"/>
+              </a:rPr>
               <a:t>phẩm</a:t>
             </a:r>
             <a:r>
-              <a:rPr lang="en-US" sz="2400" dirty="0"/>
+              <a:rPr lang="en-US" sz="2400" dirty="0">
+                <a:latin typeface="+mj-lt"/>
+              </a:rPr>
               <a:t> </a:t>
             </a:r>
             <a:r>
-              <a:rPr lang="en-US" sz="2400" dirty="0" err="1"/>
+              <a:rPr lang="en-US" sz="2400" dirty="0" err="1">
+                <a:latin typeface="+mj-lt"/>
+              </a:rPr>
               <a:t>ra</a:t>
             </a:r>
             <a:r>
-              <a:rPr lang="en-US" sz="2400" dirty="0"/>
+              <a:rPr lang="en-US" sz="2400" dirty="0">
+                <a:latin typeface="+mj-lt"/>
+              </a:rPr>
               <a:t> </a:t>
             </a:r>
             <a:r>
-              <a:rPr lang="en-US" sz="2400" dirty="0" err="1"/>
+              <a:rPr lang="en-US" sz="2400" dirty="0" err="1">
+                <a:latin typeface="+mj-lt"/>
+              </a:rPr>
               <a:t>khỏi</a:t>
             </a:r>
             <a:r>
-              <a:rPr lang="en-US" sz="2400" dirty="0"/>
+              <a:rPr lang="en-US" sz="2400" dirty="0">
+                <a:latin typeface="+mj-lt"/>
+              </a:rPr>
               <a:t> </a:t>
             </a:r>
             <a:r>
-              <a:rPr lang="en-US" sz="2400" dirty="0" err="1"/>
+              <a:rPr lang="en-US" sz="2400" dirty="0" err="1">
+                <a:latin typeface="+mj-lt"/>
+              </a:rPr>
               <a:t>giỏ</a:t>
             </a:r>
             <a:r>
-              <a:rPr lang="en-US" sz="2400" dirty="0"/>
+              <a:rPr lang="en-US" sz="2400" dirty="0">
+                <a:latin typeface="+mj-lt"/>
+              </a:rPr>
               <a:t> </a:t>
             </a:r>
             <a:r>
-              <a:rPr lang="en-US" sz="2400" dirty="0" err="1"/>
+              <a:rPr lang="en-US" sz="2400" dirty="0" err="1">
+                <a:latin typeface="+mj-lt"/>
+              </a:rPr>
               <a:t>hàng</a:t>
             </a:r>
-            <a:endParaRPr lang="en-US" sz="2400" dirty="0"/>
+            <a:endParaRPr lang="en-US" sz="2400" dirty="0">
+              <a:latin typeface="+mj-lt"/>
+            </a:endParaRPr>
           </a:p>
           <a:p>
             <a:pPr marL="514350" indent="-514350">
               <a:buAutoNum type="arabicPeriod"/>
             </a:pPr>
             <a:r>
-              <a:rPr lang="en-US" sz="2400" dirty="0" err="1"/>
+              <a:rPr lang="en-US" sz="2400" dirty="0" err="1">
+                <a:latin typeface="+mj-lt"/>
+              </a:rPr>
               <a:t>Đặt</a:t>
             </a:r>
             <a:r>
-              <a:rPr lang="en-US" sz="2400" dirty="0"/>
+              <a:rPr lang="en-US" sz="2400" dirty="0">
+                <a:latin typeface="+mj-lt"/>
+              </a:rPr>
               <a:t> </a:t>
             </a:r>
             <a:r>
-              <a:rPr lang="en-US" sz="2400" dirty="0" err="1"/>
+              <a:rPr lang="en-US" sz="2400" dirty="0" err="1">
+                <a:latin typeface="+mj-lt"/>
+              </a:rPr>
               <a:t>hàng</a:t>
             </a:r>
-            <a:endParaRPr lang="en-US" sz="2400" dirty="0"/>
+            <a:endParaRPr lang="en-US" sz="2400" dirty="0">
+              <a:latin typeface="+mj-lt"/>
+            </a:endParaRPr>
           </a:p>
           <a:p>
             <a:pPr marL="514350" indent="-514350">
               <a:buAutoNum type="arabicPeriod"/>
             </a:pPr>
             <a:r>
-              <a:rPr lang="en-US" sz="2400" dirty="0" err="1"/>
+              <a:rPr lang="en-US" sz="2400" dirty="0" err="1">
+                <a:latin typeface="+mj-lt"/>
+              </a:rPr>
               <a:t>Quản</a:t>
             </a:r>
             <a:r>
-              <a:rPr lang="en-US" sz="2400" dirty="0"/>
+              <a:rPr lang="en-US" sz="2400" dirty="0">
+                <a:latin typeface="+mj-lt"/>
+              </a:rPr>
               <a:t> </a:t>
             </a:r>
             <a:r>
-              <a:rPr lang="en-US" sz="2400" dirty="0" err="1"/>
+              <a:rPr lang="en-US" sz="2400" dirty="0" err="1">
+                <a:latin typeface="+mj-lt"/>
+              </a:rPr>
               <a:t>lí</a:t>
             </a:r>
             <a:r>
-              <a:rPr lang="en-US" sz="2400" dirty="0"/>
+              <a:rPr lang="en-US" sz="2400" dirty="0">
+                <a:latin typeface="+mj-lt"/>
+              </a:rPr>
               <a:t> </a:t>
             </a:r>
             <a:r>
-              <a:rPr lang="en-US" sz="2400" dirty="0" err="1"/>
+              <a:rPr lang="en-US" sz="2400" dirty="0" err="1">
+                <a:latin typeface="+mj-lt"/>
+              </a:rPr>
               <a:t>sản</a:t>
             </a:r>
             <a:r>
-              <a:rPr lang="en-US" sz="2400" dirty="0"/>
+              <a:rPr lang="en-US" sz="2400" dirty="0">
+                <a:latin typeface="+mj-lt"/>
+              </a:rPr>
               <a:t> </a:t>
             </a:r>
             <a:r>
-              <a:rPr lang="en-US" sz="2400" dirty="0" err="1"/>
+              <a:rPr lang="en-US" sz="2400" dirty="0" err="1">
+                <a:latin typeface="+mj-lt"/>
+              </a:rPr>
               <a:t>phẩm</a:t>
             </a:r>
-            <a:endParaRPr lang="en-US" sz="2400" dirty="0"/>
+            <a:endParaRPr lang="en-US" sz="2400" dirty="0">
+              <a:latin typeface="+mj-lt"/>
+            </a:endParaRPr>
           </a:p>
           <a:p>
             <a:pPr marL="514350" indent="-514350">
@@ -5413,34 +5723,50 @@
               <a:buAutoNum type="arabicPeriod"/>
             </a:pPr>
             <a:r>
-              <a:rPr lang="en-US" sz="2400" dirty="0" err="1"/>
+              <a:rPr lang="en-US" sz="2400" dirty="0" err="1">
+                <a:latin typeface="+mj-lt"/>
+              </a:rPr>
               <a:t>Quản</a:t>
             </a:r>
             <a:r>
-              <a:rPr lang="en-US" sz="2400" dirty="0"/>
+              <a:rPr lang="en-US" sz="2400" dirty="0">
+                <a:latin typeface="+mj-lt"/>
+              </a:rPr>
               <a:t> </a:t>
             </a:r>
             <a:r>
-              <a:rPr lang="en-US" sz="2400" dirty="0" err="1"/>
+              <a:rPr lang="en-US" sz="2400" dirty="0" err="1">
+                <a:latin typeface="+mj-lt"/>
+              </a:rPr>
               <a:t>lí</a:t>
             </a:r>
             <a:r>
-              <a:rPr lang="en-US" sz="2400" dirty="0"/>
+              <a:rPr lang="en-US" sz="2400" dirty="0">
+                <a:latin typeface="+mj-lt"/>
+              </a:rPr>
               <a:t> </a:t>
             </a:r>
             <a:r>
-              <a:rPr lang="en-US" sz="2400" dirty="0" err="1"/>
+              <a:rPr lang="en-US" sz="2400" dirty="0" err="1">
+                <a:latin typeface="+mj-lt"/>
+              </a:rPr>
               <a:t>thể</a:t>
             </a:r>
             <a:r>
-              <a:rPr lang="en-US" sz="2400" dirty="0"/>
+              <a:rPr lang="en-US" sz="2400" dirty="0">
+                <a:latin typeface="+mj-lt"/>
+              </a:rPr>
               <a:t> </a:t>
             </a:r>
             <a:r>
-              <a:rPr lang="en-US" sz="2400" dirty="0" err="1"/>
+              <a:rPr lang="en-US" sz="2400" dirty="0" err="1">
+                <a:latin typeface="+mj-lt"/>
+              </a:rPr>
               <a:t>loại</a:t>
             </a:r>
-            <a:endParaRPr lang="en-US" sz="2400" dirty="0"/>
+            <a:endParaRPr lang="en-US" sz="2400" dirty="0">
+              <a:latin typeface="+mj-lt"/>
+            </a:endParaRPr>
           </a:p>
         </p:txBody>
       </p:sp>
@@ -5468,91 +5794,133 @@
               <a:buNone/>
             </a:pPr>
             <a:r>
-              <a:rPr lang="en-US" sz="2400" dirty="0"/>
+              <a:rPr lang="en-US" sz="2400" dirty="0">
+                <a:latin typeface="+mj-lt"/>
+              </a:rPr>
               <a:t>9. </a:t>
             </a:r>
             <a:r>
-              <a:rPr lang="en-US" sz="2400" dirty="0" err="1"/>
+              <a:rPr lang="en-US" sz="2400" dirty="0" err="1">
+                <a:latin typeface="+mj-lt"/>
+              </a:rPr>
               <a:t>Quản</a:t>
             </a:r>
             <a:r>
-              <a:rPr lang="en-US" sz="2400" dirty="0"/>
+              <a:rPr lang="en-US" sz="2400" dirty="0">
+                <a:latin typeface="+mj-lt"/>
+              </a:rPr>
               <a:t> </a:t>
             </a:r>
             <a:r>
-              <a:rPr lang="en-US" sz="2400" dirty="0" err="1"/>
+              <a:rPr lang="en-US" sz="2400" dirty="0" err="1">
+                <a:latin typeface="+mj-lt"/>
+              </a:rPr>
               <a:t>lí</a:t>
             </a:r>
             <a:r>
-              <a:rPr lang="en-US" sz="2400" dirty="0"/>
+              <a:rPr lang="en-US" sz="2400" dirty="0">
+                <a:latin typeface="+mj-lt"/>
+              </a:rPr>
               <a:t> </a:t>
             </a:r>
             <a:r>
-              <a:rPr lang="en-US" sz="2400" dirty="0" err="1"/>
+              <a:rPr lang="en-US" sz="2400" dirty="0" err="1">
+                <a:latin typeface="+mj-lt"/>
+              </a:rPr>
               <a:t>tác</a:t>
             </a:r>
             <a:r>
-              <a:rPr lang="en-US" sz="2400" dirty="0"/>
+              <a:rPr lang="en-US" sz="2400" dirty="0">
+                <a:latin typeface="+mj-lt"/>
+              </a:rPr>
               <a:t> </a:t>
             </a:r>
             <a:r>
-              <a:rPr lang="en-US" sz="2400" dirty="0" err="1"/>
+              <a:rPr lang="en-US" sz="2400" dirty="0" err="1">
+                <a:latin typeface="+mj-lt"/>
+              </a:rPr>
               <a:t>giả</a:t>
             </a:r>
-            <a:endParaRPr lang="en-US" sz="2400" dirty="0"/>
+            <a:endParaRPr lang="en-US" sz="2400" dirty="0">
+              <a:latin typeface="+mj-lt"/>
+            </a:endParaRPr>
           </a:p>
           <a:p>
             <a:pPr marL="0" indent="0">
               <a:buNone/>
             </a:pPr>
             <a:r>
-              <a:rPr lang="en-US" sz="2400" dirty="0"/>
+              <a:rPr lang="en-US" sz="2400" dirty="0">
+                <a:latin typeface="+mj-lt"/>
+              </a:rPr>
               <a:t>10. </a:t>
             </a:r>
             <a:r>
-              <a:rPr lang="en-US" sz="2400" dirty="0" err="1"/>
+              <a:rPr lang="en-US" sz="2400" dirty="0" err="1">
+                <a:latin typeface="+mj-lt"/>
+              </a:rPr>
               <a:t>Quản</a:t>
             </a:r>
             <a:r>
-              <a:rPr lang="en-US" sz="2400" dirty="0"/>
+              <a:rPr lang="en-US" sz="2400" dirty="0">
+                <a:latin typeface="+mj-lt"/>
+              </a:rPr>
               <a:t> </a:t>
             </a:r>
             <a:r>
-              <a:rPr lang="en-US" sz="2400" dirty="0" err="1"/>
+              <a:rPr lang="en-US" sz="2400" dirty="0" err="1">
+                <a:latin typeface="+mj-lt"/>
+              </a:rPr>
               <a:t>lí</a:t>
             </a:r>
             <a:r>
-              <a:rPr lang="en-US" sz="2400" dirty="0"/>
+              <a:rPr lang="en-US" sz="2400" dirty="0">
+                <a:latin typeface="+mj-lt"/>
+              </a:rPr>
               <a:t> tin </a:t>
             </a:r>
             <a:r>
-              <a:rPr lang="en-US" sz="2400" dirty="0" err="1"/>
+              <a:rPr lang="en-US" sz="2400" dirty="0" err="1">
+                <a:latin typeface="+mj-lt"/>
+              </a:rPr>
               <a:t>tức</a:t>
             </a:r>
-            <a:endParaRPr lang="en-US" sz="2400" dirty="0"/>
+            <a:endParaRPr lang="en-US" sz="2400" dirty="0">
+              <a:latin typeface="+mj-lt"/>
+            </a:endParaRPr>
           </a:p>
           <a:p>
             <a:pPr marL="0" indent="0">
               <a:buNone/>
             </a:pPr>
             <a:r>
-              <a:rPr lang="en-US" sz="2400" dirty="0"/>
+              <a:rPr lang="en-US" sz="2400" dirty="0">
+                <a:latin typeface="+mj-lt"/>
+              </a:rPr>
               <a:t>11. </a:t>
             </a:r>
             <a:r>
-              <a:rPr lang="en-US" sz="2400" dirty="0" err="1"/>
+              <a:rPr lang="en-US" sz="2400" dirty="0" err="1">
+                <a:latin typeface="+mj-lt"/>
+              </a:rPr>
               <a:t>Quản</a:t>
             </a:r>
             <a:r>
-              <a:rPr lang="en-US" sz="2400" dirty="0"/>
+              <a:rPr lang="en-US" sz="2400" dirty="0">
+                <a:latin typeface="+mj-lt"/>
+              </a:rPr>
               <a:t> </a:t>
             </a:r>
             <a:r>
-              <a:rPr lang="en-US" sz="2400" dirty="0" err="1"/>
+              <a:rPr lang="en-US" sz="2400" dirty="0" err="1">
+                <a:latin typeface="+mj-lt"/>
+              </a:rPr>
               <a:t>lí</a:t>
             </a:r>
             <a:r>
-              <a:rPr lang="en-US" sz="2400" dirty="0"/>
+              <a:rPr lang="en-US" sz="2400" dirty="0">
+                <a:latin typeface="+mj-lt"/>
+              </a:rPr>
               <a:t> slide</a:t>
             </a:r>
           </a:p>
@@ -5561,23 +5929,33 @@
               <a:buNone/>
             </a:pPr>
             <a:r>
-              <a:rPr lang="en-US" sz="2400" dirty="0"/>
+              <a:rPr lang="en-US" sz="2400" dirty="0">
+                <a:latin typeface="+mj-lt"/>
+              </a:rPr>
               <a:t>12. </a:t>
             </a:r>
             <a:r>
-              <a:rPr lang="en-US" sz="2400" dirty="0" err="1"/>
+              <a:rPr lang="en-US" sz="2400" dirty="0" err="1">
+                <a:latin typeface="+mj-lt"/>
+              </a:rPr>
               <a:t>Quản</a:t>
             </a:r>
             <a:r>
-              <a:rPr lang="en-US" sz="2400" dirty="0"/>
+              <a:rPr lang="en-US" sz="2400" dirty="0">
+                <a:latin typeface="+mj-lt"/>
+              </a:rPr>
               <a:t> </a:t>
             </a:r>
             <a:r>
-              <a:rPr lang="en-US" sz="2400" dirty="0" err="1"/>
+              <a:rPr lang="en-US" sz="2400" dirty="0" err="1">
+                <a:latin typeface="+mj-lt"/>
+              </a:rPr>
               <a:t>lí</a:t>
             </a:r>
             <a:r>
-              <a:rPr lang="en-US" sz="2400" dirty="0"/>
+              <a:rPr lang="en-US" sz="2400" dirty="0">
+                <a:latin typeface="+mj-lt"/>
+              </a:rPr>
               <a:t> user</a:t>
             </a:r>
           </a:p>
@@ -5586,206 +5964,304 @@
               <a:buNone/>
             </a:pPr>
             <a:r>
-              <a:rPr lang="en-US" sz="2400" dirty="0"/>
+              <a:rPr lang="en-US" sz="2400" dirty="0">
+                <a:latin typeface="+mj-lt"/>
+              </a:rPr>
               <a:t>13. </a:t>
             </a:r>
             <a:r>
-              <a:rPr lang="en-US" sz="2400" dirty="0" err="1"/>
+              <a:rPr lang="en-US" sz="2400" dirty="0" err="1">
+                <a:latin typeface="+mj-lt"/>
+              </a:rPr>
               <a:t>Quản</a:t>
             </a:r>
             <a:r>
-              <a:rPr lang="en-US" sz="2400" dirty="0"/>
+              <a:rPr lang="en-US" sz="2400" dirty="0">
+                <a:latin typeface="+mj-lt"/>
+              </a:rPr>
               <a:t> </a:t>
             </a:r>
             <a:r>
-              <a:rPr lang="en-US" sz="2400" dirty="0" err="1"/>
+              <a:rPr lang="en-US" sz="2400" dirty="0" err="1">
+                <a:latin typeface="+mj-lt"/>
+              </a:rPr>
               <a:t>lí</a:t>
             </a:r>
             <a:r>
-              <a:rPr lang="en-US" sz="2400" dirty="0"/>
+              <a:rPr lang="en-US" sz="2400" dirty="0">
+                <a:latin typeface="+mj-lt"/>
+              </a:rPr>
               <a:t> </a:t>
             </a:r>
             <a:r>
-              <a:rPr lang="en-US" sz="2400" dirty="0" err="1"/>
+              <a:rPr lang="en-US" sz="2400" dirty="0" err="1">
+                <a:latin typeface="+mj-lt"/>
+              </a:rPr>
               <a:t>hoá</a:t>
             </a:r>
             <a:r>
-              <a:rPr lang="en-US" sz="2400" dirty="0"/>
+              <a:rPr lang="en-US" sz="2400" dirty="0">
+                <a:latin typeface="+mj-lt"/>
+              </a:rPr>
               <a:t> </a:t>
             </a:r>
             <a:r>
-              <a:rPr lang="en-US" sz="2400" dirty="0" err="1"/>
+              <a:rPr lang="en-US" sz="2400" dirty="0" err="1">
+                <a:latin typeface="+mj-lt"/>
+              </a:rPr>
               <a:t>đơn</a:t>
             </a:r>
-            <a:endParaRPr lang="en-US" sz="2400" dirty="0"/>
+            <a:endParaRPr lang="en-US" sz="2400" dirty="0">
+              <a:latin typeface="+mj-lt"/>
+            </a:endParaRPr>
           </a:p>
           <a:p>
             <a:pPr marL="0" indent="0">
               <a:buNone/>
             </a:pPr>
             <a:r>
-              <a:rPr lang="en-US" sz="2400" dirty="0"/>
+              <a:rPr lang="en-US" sz="2400" dirty="0">
+                <a:latin typeface="+mj-lt"/>
+              </a:rPr>
               <a:t>14. </a:t>
             </a:r>
             <a:r>
-              <a:rPr lang="en-US" sz="2400" dirty="0" err="1"/>
+              <a:rPr lang="en-US" sz="2400" dirty="0" err="1">
+                <a:latin typeface="+mj-lt"/>
+              </a:rPr>
               <a:t>Quản</a:t>
             </a:r>
             <a:r>
-              <a:rPr lang="en-US" sz="2400" dirty="0"/>
+              <a:rPr lang="en-US" sz="2400" dirty="0">
+                <a:latin typeface="+mj-lt"/>
+              </a:rPr>
               <a:t> </a:t>
             </a:r>
             <a:r>
-              <a:rPr lang="en-US" sz="2400" dirty="0" err="1"/>
+              <a:rPr lang="en-US" sz="2400" dirty="0" err="1">
+                <a:latin typeface="+mj-lt"/>
+              </a:rPr>
               <a:t>lí</a:t>
             </a:r>
             <a:r>
-              <a:rPr lang="en-US" sz="2400" dirty="0"/>
+              <a:rPr lang="en-US" sz="2400" dirty="0">
+                <a:latin typeface="+mj-lt"/>
+              </a:rPr>
               <a:t> </a:t>
             </a:r>
             <a:r>
-              <a:rPr lang="en-US" sz="2400" dirty="0" err="1"/>
+              <a:rPr lang="en-US" sz="2400" dirty="0" err="1">
+                <a:latin typeface="+mj-lt"/>
+              </a:rPr>
               <a:t>khách</a:t>
             </a:r>
             <a:r>
-              <a:rPr lang="en-US" sz="2400" dirty="0"/>
+              <a:rPr lang="en-US" sz="2400" dirty="0">
+                <a:latin typeface="+mj-lt"/>
+              </a:rPr>
               <a:t> </a:t>
             </a:r>
             <a:r>
-              <a:rPr lang="en-US" sz="2400" dirty="0" err="1"/>
+              <a:rPr lang="en-US" sz="2400" dirty="0" err="1">
+                <a:latin typeface="+mj-lt"/>
+              </a:rPr>
               <a:t>hàng</a:t>
             </a:r>
-            <a:endParaRPr lang="en-US" sz="2400" dirty="0"/>
+            <a:endParaRPr lang="en-US" sz="2400" dirty="0">
+              <a:latin typeface="+mj-lt"/>
+            </a:endParaRPr>
           </a:p>
           <a:p>
             <a:pPr marL="0" indent="0">
               <a:buNone/>
             </a:pPr>
             <a:r>
-              <a:rPr lang="en-US" sz="2400" dirty="0"/>
+              <a:rPr lang="en-US" sz="2400" dirty="0">
+                <a:latin typeface="+mj-lt"/>
+              </a:rPr>
               <a:t>15. </a:t>
             </a:r>
             <a:r>
-              <a:rPr lang="en-US" sz="2400" dirty="0" err="1"/>
+              <a:rPr lang="en-US" sz="2400" dirty="0" err="1">
+                <a:latin typeface="+mj-lt"/>
+              </a:rPr>
               <a:t>Thống</a:t>
             </a:r>
             <a:r>
-              <a:rPr lang="en-US" sz="2400" dirty="0"/>
+              <a:rPr lang="en-US" sz="2400" dirty="0">
+                <a:latin typeface="+mj-lt"/>
+              </a:rPr>
               <a:t> </a:t>
             </a:r>
             <a:r>
-              <a:rPr lang="en-US" sz="2400" dirty="0" err="1"/>
+              <a:rPr lang="en-US" sz="2400" dirty="0" err="1">
+                <a:latin typeface="+mj-lt"/>
+              </a:rPr>
               <a:t>kê</a:t>
             </a:r>
             <a:r>
-              <a:rPr lang="en-US" sz="2400" dirty="0"/>
+              <a:rPr lang="en-US" sz="2400" dirty="0">
+                <a:latin typeface="+mj-lt"/>
+              </a:rPr>
               <a:t> </a:t>
             </a:r>
             <a:r>
-              <a:rPr lang="en-US" sz="2400" dirty="0" err="1"/>
+              <a:rPr lang="en-US" sz="2400" dirty="0" err="1">
+                <a:latin typeface="+mj-lt"/>
+              </a:rPr>
               <a:t>doanh</a:t>
             </a:r>
             <a:r>
-              <a:rPr lang="en-US" sz="2400" dirty="0"/>
+              <a:rPr lang="en-US" sz="2400" dirty="0">
+                <a:latin typeface="+mj-lt"/>
+              </a:rPr>
               <a:t> </a:t>
             </a:r>
             <a:r>
-              <a:rPr lang="en-US" sz="2400" dirty="0" err="1"/>
+              <a:rPr lang="en-US" sz="2400" dirty="0" err="1">
+                <a:latin typeface="+mj-lt"/>
+              </a:rPr>
               <a:t>thu</a:t>
             </a:r>
-            <a:endParaRPr lang="en-US" sz="2400" dirty="0"/>
+            <a:endParaRPr lang="en-US" sz="2400" dirty="0">
+              <a:latin typeface="+mj-lt"/>
+            </a:endParaRPr>
           </a:p>
           <a:p>
             <a:pPr marL="0" indent="0">
               <a:buNone/>
             </a:pPr>
             <a:r>
-              <a:rPr lang="en-US" sz="2400" dirty="0"/>
+              <a:rPr lang="en-US" sz="2400" dirty="0">
+                <a:latin typeface="+mj-lt"/>
+              </a:rPr>
               <a:t>16. </a:t>
             </a:r>
             <a:r>
-              <a:rPr lang="en-US" sz="2400" dirty="0" err="1"/>
+              <a:rPr lang="en-US" sz="2400" dirty="0" err="1">
+                <a:latin typeface="+mj-lt"/>
+              </a:rPr>
               <a:t>Thống</a:t>
             </a:r>
             <a:r>
-              <a:rPr lang="en-US" sz="2400" dirty="0"/>
+              <a:rPr lang="en-US" sz="2400" dirty="0">
+                <a:latin typeface="+mj-lt"/>
+              </a:rPr>
               <a:t> </a:t>
             </a:r>
             <a:r>
-              <a:rPr lang="en-US" sz="2400" dirty="0" err="1"/>
+              <a:rPr lang="en-US" sz="2400" dirty="0" err="1">
+                <a:latin typeface="+mj-lt"/>
+              </a:rPr>
               <a:t>kê</a:t>
             </a:r>
             <a:r>
-              <a:rPr lang="en-US" sz="2400" dirty="0"/>
+              <a:rPr lang="en-US" sz="2400" dirty="0">
+                <a:latin typeface="+mj-lt"/>
+              </a:rPr>
               <a:t> </a:t>
             </a:r>
             <a:r>
-              <a:rPr lang="en-US" sz="2400" dirty="0" err="1"/>
+              <a:rPr lang="en-US" sz="2400" dirty="0" err="1">
+                <a:latin typeface="+mj-lt"/>
+              </a:rPr>
               <a:t>sản</a:t>
             </a:r>
             <a:r>
-              <a:rPr lang="en-US" sz="2400" dirty="0"/>
+              <a:rPr lang="en-US" sz="2400" dirty="0">
+                <a:latin typeface="+mj-lt"/>
+              </a:rPr>
               <a:t> </a:t>
             </a:r>
             <a:r>
-              <a:rPr lang="en-US" sz="2400" dirty="0" err="1"/>
+              <a:rPr lang="en-US" sz="2400" dirty="0" err="1">
+                <a:latin typeface="+mj-lt"/>
+              </a:rPr>
               <a:t>phẩm</a:t>
             </a:r>
             <a:r>
-              <a:rPr lang="en-US" sz="2400" dirty="0"/>
+              <a:rPr lang="en-US" sz="2400" dirty="0">
+                <a:latin typeface="+mj-lt"/>
+              </a:rPr>
               <a:t> </a:t>
             </a:r>
             <a:r>
-              <a:rPr lang="en-US" sz="2400" dirty="0" err="1"/>
+              <a:rPr lang="en-US" sz="2400" dirty="0" err="1">
+                <a:latin typeface="+mj-lt"/>
+              </a:rPr>
               <a:t>đã</a:t>
             </a:r>
             <a:r>
-              <a:rPr lang="en-US" sz="2400" dirty="0"/>
+              <a:rPr lang="en-US" sz="2400" dirty="0">
+                <a:latin typeface="+mj-lt"/>
+              </a:rPr>
               <a:t> </a:t>
             </a:r>
             <a:r>
-              <a:rPr lang="en-US" sz="2400" dirty="0" err="1"/>
+              <a:rPr lang="en-US" sz="2400" dirty="0" err="1">
+                <a:latin typeface="+mj-lt"/>
+              </a:rPr>
               <a:t>bán</a:t>
             </a:r>
-            <a:endParaRPr lang="en-US" sz="2400" dirty="0"/>
+            <a:endParaRPr lang="en-US" sz="2400" dirty="0">
+              <a:latin typeface="+mj-lt"/>
+            </a:endParaRPr>
           </a:p>
           <a:p>
             <a:pPr marL="0" indent="0">
               <a:buNone/>
             </a:pPr>
             <a:r>
-              <a:rPr lang="en-US" sz="2400" dirty="0"/>
+              <a:rPr lang="en-US" sz="2400" dirty="0">
+                <a:latin typeface="+mj-lt"/>
+              </a:rPr>
               <a:t>17. </a:t>
             </a:r>
             <a:r>
-              <a:rPr lang="en-US" sz="2400" dirty="0" err="1"/>
+              <a:rPr lang="en-US" sz="2400" dirty="0" err="1">
+                <a:latin typeface="+mj-lt"/>
+              </a:rPr>
               <a:t>Quản</a:t>
             </a:r>
             <a:r>
-              <a:rPr lang="en-US" sz="2400" dirty="0"/>
+              <a:rPr lang="en-US" sz="2400" dirty="0">
+                <a:latin typeface="+mj-lt"/>
+              </a:rPr>
               <a:t> </a:t>
             </a:r>
             <a:r>
-              <a:rPr lang="en-US" sz="2400" dirty="0" err="1"/>
+              <a:rPr lang="en-US" sz="2400" dirty="0" err="1">
+                <a:latin typeface="+mj-lt"/>
+              </a:rPr>
               <a:t>lý</a:t>
             </a:r>
             <a:r>
-              <a:rPr lang="en-US" sz="2400" dirty="0"/>
+              <a:rPr lang="en-US" sz="2400" dirty="0">
+                <a:latin typeface="+mj-lt"/>
+              </a:rPr>
               <a:t> </a:t>
             </a:r>
             <a:r>
-              <a:rPr lang="en-US" sz="2400" dirty="0" err="1"/>
+              <a:rPr lang="en-US" sz="2400" dirty="0" err="1">
+                <a:latin typeface="+mj-lt"/>
+              </a:rPr>
               <a:t>khuyến</a:t>
             </a:r>
             <a:r>
-              <a:rPr lang="en-US" sz="2400" dirty="0"/>
+              <a:rPr lang="en-US" sz="2400" dirty="0">
+                <a:latin typeface="+mj-lt"/>
+              </a:rPr>
               <a:t> </a:t>
             </a:r>
             <a:r>
-              <a:rPr lang="en-US" sz="2400" dirty="0" err="1"/>
+              <a:rPr lang="en-US" sz="2400" dirty="0" err="1">
+                <a:latin typeface="+mj-lt"/>
+              </a:rPr>
               <a:t>mãi</a:t>
             </a:r>
-            <a:endParaRPr lang="en-US" sz="2400" dirty="0"/>
+            <a:endParaRPr lang="en-US" sz="2400" dirty="0">
+              <a:latin typeface="+mj-lt"/>
+            </a:endParaRPr>
           </a:p>
         </p:txBody>
       </p:sp>
@@ -6663,7 +7139,6 @@
                 <a:solidFill>
                   <a:schemeClr val="tx1"/>
                 </a:solidFill>
-                <a:latin typeface="Times New Roman" panose="02020603050405020304" pitchFamily="18" charset="0"/>
                 <a:cs typeface="Times New Roman" panose="02020603050405020304" pitchFamily="18" charset="0"/>
               </a:rPr>
               <a:t>Một số giao diện của chương trình</a:t>
@@ -6853,7 +7328,6 @@
                 <a:solidFill>
                   <a:schemeClr val="tx1"/>
                 </a:solidFill>
-                <a:latin typeface="Times New Roman" panose="02020603050405020304" pitchFamily="18" charset="0"/>
                 <a:cs typeface="Times New Roman" panose="02020603050405020304" pitchFamily="18" charset="0"/>
               </a:rPr>
               <a:t>Trang chủ</a:t>
@@ -7156,7 +7630,6 @@
                 <a:solidFill>
                   <a:schemeClr val="tx1"/>
                 </a:solidFill>
-                <a:latin typeface="Times New Roman" panose="02020603050405020304" pitchFamily="18" charset="0"/>
                 <a:cs typeface="Times New Roman" panose="02020603050405020304" pitchFamily="18" charset="0"/>
               </a:rPr>
               <a:t>Một số giao diện của chương trình</a:t>
@@ -7346,7 +7819,6 @@
                 <a:solidFill>
                   <a:schemeClr val="tx1"/>
                 </a:solidFill>
-                <a:latin typeface="Times New Roman" panose="02020603050405020304" pitchFamily="18" charset="0"/>
                 <a:cs typeface="Times New Roman" panose="02020603050405020304" pitchFamily="18" charset="0"/>
               </a:rPr>
               <a:t>Giỏ hàng và đặt hàng</a:t>
@@ -7649,7 +8121,6 @@
                 <a:solidFill>
                   <a:schemeClr val="tx1"/>
                 </a:solidFill>
-                <a:latin typeface="Times New Roman" panose="02020603050405020304" pitchFamily="18" charset="0"/>
                 <a:cs typeface="Times New Roman" panose="02020603050405020304" pitchFamily="18" charset="0"/>
               </a:rPr>
               <a:t>Một số giao diện của chương trình</a:t>
@@ -7839,7 +8310,6 @@
                 <a:solidFill>
                   <a:schemeClr val="tx1"/>
                 </a:solidFill>
-                <a:latin typeface="Times New Roman" panose="02020603050405020304" pitchFamily="18" charset="0"/>
                 <a:cs typeface="Times New Roman" panose="02020603050405020304" pitchFamily="18" charset="0"/>
               </a:rPr>
               <a:t>Trang quản trị</a:t>
@@ -8136,8 +8606,8 @@
         </p:nvSpPr>
         <p:spPr>
           <a:xfrm>
-            <a:off x="0" y="1143000"/>
-            <a:ext cx="8991600" cy="4525963"/>
+            <a:off x="-7513" y="2514600"/>
+            <a:ext cx="8991600" cy="3001963"/>
           </a:xfrm>
         </p:spPr>
         <p:txBody>
@@ -8148,11 +8618,11 @@
               <a:buNone/>
             </a:pPr>
             <a:r>
-              <a:rPr lang="en-US">
+              <a:rPr lang="en-US" dirty="0">
                 <a:solidFill>
                   <a:srgbClr val="FF0000"/>
                 </a:solidFill>
-                <a:latin typeface="Times New Roman" panose="02020603050405020304" pitchFamily="18" charset="0"/>
+                <a:latin typeface="+mj-lt"/>
                 <a:cs typeface="Times New Roman" panose="02020603050405020304" pitchFamily="18" charset="0"/>
               </a:rPr>
               <a:t>CẢM ƠN MỌI NGƯỜI ĐÃ LẮNG NGHE</a:t>
@@ -8162,11 +8632,11 @@
             <a:pPr marL="0" indent="0">
               <a:buNone/>
             </a:pPr>
-            <a:endParaRPr lang="en-US">
+            <a:endParaRPr lang="en-US" dirty="0">
               <a:solidFill>
                 <a:srgbClr val="FF0000"/>
               </a:solidFill>
-              <a:latin typeface="Times New Roman" panose="02020603050405020304" pitchFamily="18" charset="0"/>
+              <a:latin typeface="+mj-lt"/>
               <a:cs typeface="Times New Roman" panose="02020603050405020304" pitchFamily="18" charset="0"/>
             </a:endParaRPr>
           </a:p>
@@ -8184,25 +8654,47 @@
         </p:nvSpPr>
         <p:spPr>
           <a:xfrm>
-            <a:off x="2133600" y="0"/>
-            <a:ext cx="7023100" cy="792162"/>
+            <a:off x="0" y="0"/>
+            <a:ext cx="9156700" cy="792162"/>
           </a:xfrm>
         </p:spPr>
         <p:txBody>
           <a:bodyPr/>
           <a:lstStyle/>
           <a:p>
-            <a:pPr algn="l"/>
-            <a:r>
-              <a:rPr lang="en-US" sz="3600" b="1">
+            <a:r>
+              <a:rPr lang="en-US" sz="3600" b="1" dirty="0" err="1">
                 <a:solidFill>
                   <a:schemeClr val="tx1"/>
                 </a:solidFill>
-                <a:latin typeface="Times New Roman" panose="02020603050405020304" pitchFamily="18" charset="0"/>
                 <a:cs typeface="Times New Roman" panose="02020603050405020304" pitchFamily="18" charset="0"/>
               </a:rPr>
-              <a:t>Kết thúc</a:t>
-            </a:r>
+              <a:t>Kết</a:t>
+            </a:r>
+            <a:r>
+              <a:rPr lang="en-US" sz="3600" b="1" dirty="0">
+                <a:solidFill>
+                  <a:schemeClr val="tx1"/>
+                </a:solidFill>
+                <a:cs typeface="Times New Roman" panose="02020603050405020304" pitchFamily="18" charset="0"/>
+              </a:rPr>
+              <a:t> </a:t>
+            </a:r>
+            <a:r>
+              <a:rPr lang="en-US" sz="3600" b="1" dirty="0" err="1">
+                <a:solidFill>
+                  <a:schemeClr val="tx1"/>
+                </a:solidFill>
+                <a:cs typeface="Times New Roman" panose="02020603050405020304" pitchFamily="18" charset="0"/>
+              </a:rPr>
+              <a:t>thúc</a:t>
+            </a:r>
+            <a:endParaRPr lang="en-US" sz="3600" b="1" dirty="0">
+              <a:solidFill>
+                <a:schemeClr val="tx1"/>
+              </a:solidFill>
+              <a:cs typeface="Times New Roman" panose="02020603050405020304" pitchFamily="18" charset="0"/>
+            </a:endParaRPr>
           </a:p>
         </p:txBody>
       </p:sp>
@@ -8404,7 +8896,7 @@
                 <a:solidFill>
                   <a:schemeClr val="tx1"/>
                 </a:solidFill>
-                <a:latin typeface="Times New Roman" panose="02020603050405020304" pitchFamily="18" charset="0"/>
+                <a:latin typeface="+mn-lt"/>
                 <a:cs typeface="Times New Roman" panose="02020603050405020304" pitchFamily="18" charset="0"/>
               </a:rPr>
               <a:t>Nội dung đồ án</a:t>
@@ -8437,14 +8929,12 @@
             </a:pPr>
             <a:r>
               <a:rPr lang="en-US" sz="4000">
-                <a:latin typeface="Times New Roman" panose="02020603050405020304" pitchFamily="18" charset="0"/>
                 <a:cs typeface="Times New Roman" panose="02020603050405020304" pitchFamily="18" charset="0"/>
                 <a:hlinkClick r:id="rId2" action="ppaction://hlinksldjump"/>
               </a:rPr>
               <a:t>Lí do chọn đề tài, mục đích và yêu cầu của đồ án</a:t>
             </a:r>
             <a:endParaRPr lang="en-US" sz="4000">
-              <a:latin typeface="Times New Roman" panose="02020603050405020304" pitchFamily="18" charset="0"/>
               <a:cs typeface="Times New Roman" panose="02020603050405020304" pitchFamily="18" charset="0"/>
             </a:endParaRPr>
           </a:p>
@@ -8454,14 +8944,12 @@
             </a:pPr>
             <a:r>
               <a:rPr lang="en-US" sz="4000">
-                <a:latin typeface="Times New Roman" panose="02020603050405020304" pitchFamily="18" charset="0"/>
                 <a:cs typeface="Times New Roman" panose="02020603050405020304" pitchFamily="18" charset="0"/>
                 <a:hlinkClick r:id="rId3" action="ppaction://hlinksldjump"/>
               </a:rPr>
               <a:t>Phân tích và thiết kế hệ thống</a:t>
             </a:r>
             <a:endParaRPr lang="en-US" sz="4000">
-              <a:latin typeface="Times New Roman" panose="02020603050405020304" pitchFamily="18" charset="0"/>
               <a:cs typeface="Times New Roman" panose="02020603050405020304" pitchFamily="18" charset="0"/>
             </a:endParaRPr>
           </a:p>
@@ -8471,14 +8959,12 @@
             </a:pPr>
             <a:r>
               <a:rPr lang="en-US" sz="4000">
-                <a:latin typeface="Times New Roman" panose="02020603050405020304" pitchFamily="18" charset="0"/>
                 <a:cs typeface="Times New Roman" panose="02020603050405020304" pitchFamily="18" charset="0"/>
                 <a:hlinkClick r:id="rId4" action="ppaction://hlinksldjump"/>
               </a:rPr>
               <a:t>Công nghệ và công cụ thực hiện</a:t>
             </a:r>
             <a:endParaRPr lang="en-US" sz="4000">
-              <a:latin typeface="Times New Roman" panose="02020603050405020304" pitchFamily="18" charset="0"/>
               <a:cs typeface="Times New Roman" panose="02020603050405020304" pitchFamily="18" charset="0"/>
             </a:endParaRPr>
           </a:p>
@@ -8488,14 +8974,12 @@
             </a:pPr>
             <a:r>
               <a:rPr lang="en-US" sz="4000">
-                <a:latin typeface="Times New Roman" panose="02020603050405020304" pitchFamily="18" charset="0"/>
                 <a:cs typeface="Times New Roman" panose="02020603050405020304" pitchFamily="18" charset="0"/>
                 <a:hlinkClick r:id="rId5" action="ppaction://hlinksldjump"/>
               </a:rPr>
               <a:t>Kết quả chương trình</a:t>
             </a:r>
             <a:endParaRPr lang="en-US" sz="4000">
-              <a:latin typeface="Times New Roman" panose="02020603050405020304" pitchFamily="18" charset="0"/>
               <a:cs typeface="Times New Roman" panose="02020603050405020304" pitchFamily="18" charset="0"/>
             </a:endParaRPr>
           </a:p>
@@ -8816,7 +9300,7 @@
                 <a:solidFill>
                   <a:schemeClr val="tx1"/>
                 </a:solidFill>
-                <a:latin typeface="Times New Roman" panose="02020603050405020304" pitchFamily="18" charset="0"/>
+                <a:latin typeface="+mn-lt"/>
                 <a:cs typeface="Times New Roman" panose="02020603050405020304" pitchFamily="18" charset="0"/>
               </a:rPr>
               <a:t>I. Lí do chọn đề tài, mục đích và </a:t>
@@ -8826,7 +9310,7 @@
                 <a:solidFill>
                   <a:schemeClr val="tx1"/>
                 </a:solidFill>
-                <a:latin typeface="Times New Roman" panose="02020603050405020304" pitchFamily="18" charset="0"/>
+                <a:latin typeface="+mn-lt"/>
                 <a:cs typeface="Times New Roman" panose="02020603050405020304" pitchFamily="18" charset="0"/>
               </a:rPr>
             </a:br>
@@ -8835,7 +9319,7 @@
                 <a:solidFill>
                   <a:schemeClr val="tx1"/>
                 </a:solidFill>
-                <a:latin typeface="Times New Roman" panose="02020603050405020304" pitchFamily="18" charset="0"/>
+                <a:latin typeface="+mn-lt"/>
                 <a:cs typeface="Times New Roman" panose="02020603050405020304" pitchFamily="18" charset="0"/>
               </a:rPr>
               <a:t>yêu cầu của đồ án</a:t>
@@ -8863,9 +9347,34 @@
               <a:buAutoNum type="arabicPeriod"/>
             </a:pPr>
             <a:r>
-              <a:rPr lang="en-US"/>
-              <a:t>Lí do chọn đề tài</a:t>
-            </a:r>
+              <a:rPr lang="en-US" dirty="0" err="1"/>
+              <a:t>Lí</a:t>
+            </a:r>
+            <a:r>
+              <a:rPr lang="en-US" dirty="0"/>
+              <a:t> do </a:t>
+            </a:r>
+            <a:r>
+              <a:rPr lang="en-US" dirty="0" err="1"/>
+              <a:t>chọn</a:t>
+            </a:r>
+            <a:r>
+              <a:rPr lang="en-US" dirty="0"/>
+              <a:t> </a:t>
+            </a:r>
+            <a:r>
+              <a:rPr lang="en-US" dirty="0" err="1"/>
+              <a:t>đề</a:t>
+            </a:r>
+            <a:r>
+              <a:rPr lang="en-US" dirty="0"/>
+              <a:t> </a:t>
+            </a:r>
+            <a:r>
+              <a:rPr lang="en-US" dirty="0" err="1"/>
+              <a:t>tài</a:t>
+            </a:r>
+            <a:endParaRPr lang="en-US" dirty="0"/>
           </a:p>
           <a:p>
             <a:pPr marL="857250" lvl="1" indent="-457200">
@@ -8873,9 +9382,90 @@
               <a:buChar char="•"/>
             </a:pPr>
             <a:r>
-              <a:rPr lang="en-US"/>
-              <a:t>Đáp ứng nhu cầu giải trí ngày càng lớn của con người</a:t>
-            </a:r>
+              <a:rPr lang="en-US" dirty="0" err="1"/>
+              <a:t>Đáp</a:t>
+            </a:r>
+            <a:r>
+              <a:rPr lang="en-US" dirty="0"/>
+              <a:t> </a:t>
+            </a:r>
+            <a:r>
+              <a:rPr lang="en-US" dirty="0" err="1"/>
+              <a:t>ứng</a:t>
+            </a:r>
+            <a:r>
+              <a:rPr lang="en-US" dirty="0"/>
+              <a:t> </a:t>
+            </a:r>
+            <a:r>
+              <a:rPr lang="en-US" dirty="0" err="1"/>
+              <a:t>nhu</a:t>
+            </a:r>
+            <a:r>
+              <a:rPr lang="en-US" dirty="0"/>
+              <a:t> </a:t>
+            </a:r>
+            <a:r>
+              <a:rPr lang="en-US" dirty="0" err="1"/>
+              <a:t>cầu</a:t>
+            </a:r>
+            <a:r>
+              <a:rPr lang="en-US" dirty="0"/>
+              <a:t> </a:t>
+            </a:r>
+            <a:r>
+              <a:rPr lang="en-US" dirty="0" err="1"/>
+              <a:t>giải</a:t>
+            </a:r>
+            <a:r>
+              <a:rPr lang="en-US" dirty="0"/>
+              <a:t> </a:t>
+            </a:r>
+            <a:r>
+              <a:rPr lang="en-US" dirty="0" err="1"/>
+              <a:t>trí</a:t>
+            </a:r>
+            <a:r>
+              <a:rPr lang="en-US" dirty="0"/>
+              <a:t> </a:t>
+            </a:r>
+            <a:r>
+              <a:rPr lang="en-US" dirty="0" err="1"/>
+              <a:t>ngày</a:t>
+            </a:r>
+            <a:r>
+              <a:rPr lang="en-US" dirty="0"/>
+              <a:t> </a:t>
+            </a:r>
+            <a:r>
+              <a:rPr lang="en-US" dirty="0" err="1"/>
+              <a:t>càng</a:t>
+            </a:r>
+            <a:r>
+              <a:rPr lang="en-US" dirty="0"/>
+              <a:t> </a:t>
+            </a:r>
+            <a:r>
+              <a:rPr lang="en-US" dirty="0" err="1"/>
+              <a:t>lớn</a:t>
+            </a:r>
+            <a:r>
+              <a:rPr lang="en-US" dirty="0"/>
+              <a:t> </a:t>
+            </a:r>
+            <a:r>
+              <a:rPr lang="en-US" dirty="0" err="1"/>
+              <a:t>của</a:t>
+            </a:r>
+            <a:r>
+              <a:rPr lang="en-US" dirty="0"/>
+              <a:t> con </a:t>
+            </a:r>
+            <a:r>
+              <a:rPr lang="en-US" dirty="0" err="1"/>
+              <a:t>người</a:t>
+            </a:r>
+            <a:endParaRPr lang="en-US" dirty="0"/>
           </a:p>
           <a:p>
             <a:pPr marL="857250" lvl="1" indent="-457200">
@@ -8883,9 +9473,114 @@
               <a:buChar char="•"/>
             </a:pPr>
             <a:r>
-              <a:rPr lang="en-US"/>
-              <a:t>Các dịch vụ bán truyện hiện nay chưa cung cấp đầy đủ các sản phẩm</a:t>
-            </a:r>
+              <a:rPr lang="en-US" dirty="0" err="1"/>
+              <a:t>Các</a:t>
+            </a:r>
+            <a:r>
+              <a:rPr lang="en-US" dirty="0"/>
+              <a:t> </a:t>
+            </a:r>
+            <a:r>
+              <a:rPr lang="en-US" dirty="0" err="1"/>
+              <a:t>dịch</a:t>
+            </a:r>
+            <a:r>
+              <a:rPr lang="en-US" dirty="0"/>
+              <a:t> </a:t>
+            </a:r>
+            <a:r>
+              <a:rPr lang="en-US" dirty="0" err="1"/>
+              <a:t>vụ</a:t>
+            </a:r>
+            <a:r>
+              <a:rPr lang="en-US" dirty="0"/>
+              <a:t> </a:t>
+            </a:r>
+            <a:r>
+              <a:rPr lang="en-US" dirty="0" err="1"/>
+              <a:t>bán</a:t>
+            </a:r>
+            <a:r>
+              <a:rPr lang="en-US" dirty="0"/>
+              <a:t> </a:t>
+            </a:r>
+            <a:r>
+              <a:rPr lang="en-US" dirty="0" err="1"/>
+              <a:t>truyện</a:t>
+            </a:r>
+            <a:r>
+              <a:rPr lang="en-US" dirty="0"/>
+              <a:t> </a:t>
+            </a:r>
+            <a:r>
+              <a:rPr lang="en-US" dirty="0" err="1"/>
+              <a:t>hiện</a:t>
+            </a:r>
+            <a:r>
+              <a:rPr lang="en-US" dirty="0"/>
+              <a:t> nay </a:t>
+            </a:r>
+            <a:r>
+              <a:rPr lang="en-US" dirty="0" err="1"/>
+              <a:t>chưa</a:t>
+            </a:r>
+            <a:r>
+              <a:rPr lang="en-US" dirty="0"/>
+              <a:t> </a:t>
+            </a:r>
+            <a:r>
+              <a:rPr lang="en-US" dirty="0" err="1"/>
+              <a:t>cung</a:t>
+            </a:r>
+            <a:r>
+              <a:rPr lang="en-US" dirty="0"/>
+              <a:t> </a:t>
+            </a:r>
+            <a:r>
+              <a:rPr lang="en-US" dirty="0" err="1"/>
+              <a:t>cấp</a:t>
+            </a:r>
+            <a:r>
+              <a:rPr lang="en-US" dirty="0"/>
+              <a:t> </a:t>
+            </a:r>
+            <a:r>
+              <a:rPr lang="en-US" dirty="0" err="1"/>
+              <a:t>đầy</a:t>
+            </a:r>
+            <a:r>
+              <a:rPr lang="en-US" dirty="0"/>
+              <a:t> </a:t>
+            </a:r>
+            <a:r>
+              <a:rPr lang="en-US" dirty="0" err="1"/>
+              <a:t>đủ</a:t>
+            </a:r>
+            <a:r>
+              <a:rPr lang="en-US" dirty="0"/>
+              <a:t> </a:t>
+            </a:r>
+            <a:r>
+              <a:rPr lang="en-US" dirty="0" err="1"/>
+              <a:t>các</a:t>
+            </a:r>
+            <a:r>
+              <a:rPr lang="en-US" dirty="0"/>
+              <a:t> </a:t>
+            </a:r>
+            <a:r>
+              <a:rPr lang="en-US" dirty="0" err="1"/>
+              <a:t>sản</a:t>
+            </a:r>
+            <a:r>
+              <a:rPr lang="en-US" dirty="0"/>
+              <a:t> </a:t>
+            </a:r>
+            <a:r>
+              <a:rPr lang="en-US" dirty="0" err="1"/>
+              <a:t>phẩm</a:t>
+            </a:r>
+            <a:endParaRPr lang="en-US" dirty="0"/>
           </a:p>
           <a:p>
             <a:pPr marL="857250" lvl="1" indent="-457200">
@@ -8893,9 +9588,66 @@
               <a:buChar char="•"/>
             </a:pPr>
             <a:r>
-              <a:rPr lang="en-US"/>
-              <a:t>Cung cấp dịch vụ mua truyện trực tuyến</a:t>
-            </a:r>
+              <a:rPr lang="en-US" dirty="0" err="1"/>
+              <a:t>Cung</a:t>
+            </a:r>
+            <a:r>
+              <a:rPr lang="en-US" dirty="0"/>
+              <a:t> </a:t>
+            </a:r>
+            <a:r>
+              <a:rPr lang="en-US" dirty="0" err="1"/>
+              <a:t>cấp</a:t>
+            </a:r>
+            <a:r>
+              <a:rPr lang="en-US" dirty="0"/>
+              <a:t> </a:t>
+            </a:r>
+            <a:r>
+              <a:rPr lang="en-US" dirty="0" err="1"/>
+              <a:t>dịch</a:t>
+            </a:r>
+            <a:r>
+              <a:rPr lang="en-US" dirty="0"/>
+              <a:t> </a:t>
+            </a:r>
+            <a:r>
+              <a:rPr lang="en-US" dirty="0" err="1"/>
+              <a:t>vụ</a:t>
+            </a:r>
+            <a:r>
+              <a:rPr lang="en-US" dirty="0"/>
+              <a:t> </a:t>
+            </a:r>
+            <a:r>
+              <a:rPr lang="en-US" dirty="0" err="1"/>
+              <a:t>mua</a:t>
+            </a:r>
+            <a:r>
+              <a:rPr lang="en-US" dirty="0"/>
+              <a:t> </a:t>
+            </a:r>
+            <a:r>
+              <a:rPr lang="en-US" dirty="0" err="1"/>
+              <a:t>truyện</a:t>
+            </a:r>
+            <a:r>
+              <a:rPr lang="en-US" dirty="0"/>
+              <a:t> </a:t>
+            </a:r>
+            <a:r>
+              <a:rPr lang="en-US" dirty="0" err="1"/>
+              <a:t>trực</a:t>
+            </a:r>
+            <a:r>
+              <a:rPr lang="en-US" dirty="0"/>
+              <a:t> </a:t>
+            </a:r>
+            <a:r>
+              <a:rPr lang="en-US" dirty="0" err="1"/>
+              <a:t>tuyến</a:t>
+            </a:r>
+            <a:endParaRPr lang="en-US" dirty="0"/>
           </a:p>
           <a:p>
             <a:pPr marL="857250" lvl="1" indent="-457200">
@@ -8903,9 +9655,90 @@
               <a:buChar char="•"/>
             </a:pPr>
             <a:r>
-              <a:rPr lang="en-US"/>
-              <a:t>Cung cấp những sản phẩm truyện mới nhất được phát hành</a:t>
-            </a:r>
+              <a:rPr lang="en-US" dirty="0" err="1"/>
+              <a:t>Cung</a:t>
+            </a:r>
+            <a:r>
+              <a:rPr lang="en-US" dirty="0"/>
+              <a:t> </a:t>
+            </a:r>
+            <a:r>
+              <a:rPr lang="en-US" dirty="0" err="1"/>
+              <a:t>cấp</a:t>
+            </a:r>
+            <a:r>
+              <a:rPr lang="en-US" dirty="0"/>
+              <a:t> </a:t>
+            </a:r>
+            <a:r>
+              <a:rPr lang="en-US" dirty="0" err="1"/>
+              <a:t>những</a:t>
+            </a:r>
+            <a:r>
+              <a:rPr lang="en-US" dirty="0"/>
+              <a:t> </a:t>
+            </a:r>
+            <a:r>
+              <a:rPr lang="en-US" dirty="0" err="1"/>
+              <a:t>sản</a:t>
+            </a:r>
+            <a:r>
+              <a:rPr lang="en-US" dirty="0"/>
+              <a:t> </a:t>
+            </a:r>
+            <a:r>
+              <a:rPr lang="en-US" dirty="0" err="1"/>
+              <a:t>phẩm</a:t>
+            </a:r>
+            <a:r>
+              <a:rPr lang="en-US" dirty="0"/>
+              <a:t> </a:t>
+            </a:r>
+            <a:r>
+              <a:rPr lang="en-US" dirty="0" err="1"/>
+              <a:t>truyện</a:t>
+            </a:r>
+            <a:r>
+              <a:rPr lang="en-US" dirty="0"/>
+              <a:t> </a:t>
+            </a:r>
+            <a:r>
+              <a:rPr lang="en-US" dirty="0" err="1"/>
+              <a:t>mới</a:t>
+            </a:r>
+            <a:r>
+              <a:rPr lang="en-US" dirty="0"/>
+              <a:t> </a:t>
+            </a:r>
+            <a:r>
+              <a:rPr lang="en-US" dirty="0" err="1"/>
+              <a:t>nhất</a:t>
+            </a:r>
+            <a:r>
+              <a:rPr lang="en-US" dirty="0"/>
+              <a:t> </a:t>
+            </a:r>
+            <a:r>
+              <a:rPr lang="en-US" dirty="0" err="1"/>
+              <a:t>được</a:t>
+            </a:r>
+            <a:r>
+              <a:rPr lang="en-US" dirty="0"/>
+              <a:t> </a:t>
+            </a:r>
+            <a:r>
+              <a:rPr lang="en-US" dirty="0" err="1"/>
+              <a:t>phát</a:t>
+            </a:r>
+            <a:r>
+              <a:rPr lang="en-US" dirty="0"/>
+              <a:t> </a:t>
+            </a:r>
+            <a:r>
+              <a:rPr lang="en-US" dirty="0" err="1"/>
+              <a:t>hành</a:t>
+            </a:r>
+            <a:endParaRPr lang="en-US" dirty="0"/>
           </a:p>
         </p:txBody>
       </p:sp>
@@ -9267,7 +10100,7 @@
                 <a:solidFill>
                   <a:schemeClr val="tx1"/>
                 </a:solidFill>
-                <a:latin typeface="Times New Roman" panose="02020603050405020304" pitchFamily="18" charset="0"/>
+                <a:latin typeface="+mn-lt"/>
                 <a:cs typeface="Times New Roman" panose="02020603050405020304" pitchFamily="18" charset="0"/>
               </a:rPr>
               <a:t>I. Lí do chọn đề tài, mục đích và </a:t>
@@ -9277,7 +10110,7 @@
                 <a:solidFill>
                   <a:schemeClr val="tx1"/>
                 </a:solidFill>
-                <a:latin typeface="Times New Roman" panose="02020603050405020304" pitchFamily="18" charset="0"/>
+                <a:latin typeface="+mn-lt"/>
                 <a:cs typeface="Times New Roman" panose="02020603050405020304" pitchFamily="18" charset="0"/>
               </a:rPr>
             </a:br>
@@ -9286,7 +10119,7 @@
                 <a:solidFill>
                   <a:schemeClr val="tx1"/>
                 </a:solidFill>
-                <a:latin typeface="Times New Roman" panose="02020603050405020304" pitchFamily="18" charset="0"/>
+                <a:latin typeface="+mn-lt"/>
                 <a:cs typeface="Times New Roman" panose="02020603050405020304" pitchFamily="18" charset="0"/>
               </a:rPr>
               <a:t>yêu cầu của đồ án</a:t>
@@ -9461,37 +10294,22 @@
               <a:buNone/>
             </a:pPr>
             <a:r>
-              <a:rPr lang="en-US" sz="3600" dirty="0">
-                <a:ea typeface="+mn-ea"/>
-                <a:cs typeface="+mn-cs"/>
-              </a:rPr>
+              <a:rPr lang="en-US" sz="3600" dirty="0"/>
               <a:t>3. </a:t>
             </a:r>
             <a:r>
-              <a:rPr lang="en-US" sz="3600" dirty="0" err="1">
-                <a:ea typeface="+mn-ea"/>
-                <a:cs typeface="+mn-cs"/>
-              </a:rPr>
+              <a:rPr lang="en-US" sz="3600" dirty="0" err="1"/>
               <a:t>Yêu</a:t>
             </a:r>
             <a:r>
-              <a:rPr lang="en-US" sz="3600" dirty="0">
-                <a:ea typeface="+mn-ea"/>
-                <a:cs typeface="+mn-cs"/>
-              </a:rPr>
+              <a:rPr lang="en-US" sz="3600" dirty="0"/>
               <a:t> </a:t>
             </a:r>
             <a:r>
-              <a:rPr lang="en-US" sz="3600" dirty="0" err="1">
-                <a:ea typeface="+mn-ea"/>
-                <a:cs typeface="+mn-cs"/>
-              </a:rPr>
+              <a:rPr lang="en-US" sz="3600" dirty="0" err="1"/>
               <a:t>cầu</a:t>
             </a:r>
-            <a:endParaRPr lang="en-US" sz="3600" dirty="0">
-              <a:ea typeface="+mn-ea"/>
-              <a:cs typeface="+mn-cs"/>
-            </a:endParaRPr>
+            <a:endParaRPr lang="en-US" sz="3600" dirty="0"/>
           </a:p>
           <a:p>
             <a:pPr marL="1028700" lvl="1" indent="-571500">
@@ -9721,18 +10539,25 @@
               <a:t> </a:t>
             </a:r>
             <a:r>
-              <a:rPr lang="en-US" err="1">
+              <a:rPr lang="en-US" dirty="0" err="1">
                 <a:ea typeface="+mn-ea"/>
                 <a:cs typeface="+mn-cs"/>
               </a:rPr>
               <a:t>trực</a:t>
             </a:r>
             <a:r>
-              <a:rPr lang="en-US">
+              <a:rPr lang="en-US" dirty="0">
                 <a:ea typeface="+mn-ea"/>
                 <a:cs typeface="+mn-cs"/>
               </a:rPr>
-              <a:t> tuyến</a:t>
+              <a:t> </a:t>
+            </a:r>
+            <a:r>
+              <a:rPr lang="en-US" dirty="0" err="1">
+                <a:ea typeface="+mn-ea"/>
+                <a:cs typeface="+mn-cs"/>
+              </a:rPr>
+              <a:t>tuyến</a:t>
             </a:r>
             <a:endParaRPr lang="en-US" dirty="0">
               <a:ea typeface="+mn-ea"/>
@@ -10185,7 +11010,7 @@
                 <a:solidFill>
                   <a:schemeClr val="tx1"/>
                 </a:solidFill>
-                <a:latin typeface="Times New Roman" panose="02020603050405020304" pitchFamily="18" charset="0"/>
+                <a:latin typeface="+mn-lt"/>
                 <a:cs typeface="Times New Roman" panose="02020603050405020304" pitchFamily="18" charset="0"/>
               </a:rPr>
               <a:t>II. Phân tích và thiết kế hệ thống</a:t>
@@ -10510,7 +11335,7 @@
                 <a:solidFill>
                   <a:schemeClr val="tx1"/>
                 </a:solidFill>
-                <a:latin typeface="Times New Roman" panose="02020603050405020304" pitchFamily="18" charset="0"/>
+                <a:latin typeface="+mn-lt"/>
                 <a:cs typeface="Times New Roman" panose="02020603050405020304" pitchFamily="18" charset="0"/>
               </a:rPr>
               <a:t>II.1 Kiến trúc hệ thống</a:t>
@@ -10721,7 +11546,7 @@
                 <a:solidFill>
                   <a:schemeClr val="tx1"/>
                 </a:solidFill>
-                <a:latin typeface="Times New Roman" panose="02020603050405020304" pitchFamily="18" charset="0"/>
+                <a:latin typeface="+mn-lt"/>
                 <a:cs typeface="Times New Roman" panose="02020603050405020304" pitchFamily="18" charset="0"/>
               </a:rPr>
               <a:t>II.2 Sơ đồ chức năng</a:t>
@@ -10730,6 +11555,7 @@
               <a:solidFill>
                 <a:schemeClr val="tx1"/>
               </a:solidFill>
+              <a:latin typeface="+mn-lt"/>
             </a:endParaRPr>
           </a:p>
         </p:txBody>
@@ -10935,7 +11761,7 @@
                 <a:solidFill>
                   <a:schemeClr val="tx1"/>
                 </a:solidFill>
-                <a:latin typeface="Times New Roman" panose="02020603050405020304" pitchFamily="18" charset="0"/>
+                <a:latin typeface="+mn-lt"/>
                 <a:cs typeface="Times New Roman" panose="02020603050405020304" pitchFamily="18" charset="0"/>
               </a:rPr>
               <a:t>II.3 Mô hình dữ liệu mức quan niệm</a:t>
@@ -10944,6 +11770,7 @@
               <a:solidFill>
                 <a:schemeClr val="tx1"/>
               </a:solidFill>
+              <a:latin typeface="+mn-lt"/>
             </a:endParaRPr>
           </a:p>
         </p:txBody>
@@ -11149,7 +11976,6 @@
                 <a:solidFill>
                   <a:schemeClr val="tx1"/>
                 </a:solidFill>
-                <a:latin typeface="Times New Roman" panose="02020603050405020304" pitchFamily="18" charset="0"/>
                 <a:cs typeface="Times New Roman" panose="02020603050405020304" pitchFamily="18" charset="0"/>
               </a:rPr>
               <a:t>II.4 Cơ sở dữ liệu</a:t>
@@ -11332,16 +12158,76 @@
         <a:srgbClr val="99CC00"/>
       </a:folHlink>
     </a:clrScheme>
-    <a:fontScheme name="Office Theme">
+    <a:fontScheme name="Arial">
       <a:majorFont>
-        <a:latin typeface="Arial"/>
+        <a:latin typeface="Arial" panose="020B0604020202020204"/>
         <a:ea typeface=""/>
         <a:cs typeface=""/>
+        <a:font script="Jpan" typeface="ＭＳ Ｐゴシック"/>
+        <a:font script="Hang" typeface="굴림"/>
+        <a:font script="Hans" typeface="黑体"/>
+        <a:font script="Hant" typeface="微軟正黑體"/>
+        <a:font script="Arab" typeface="Arial"/>
+        <a:font script="Hebr" typeface="Arial"/>
+        <a:font script="Thai" typeface="Cordia New"/>
+        <a:font script="Ethi" typeface="Nyala"/>
+        <a:font script="Beng" typeface="Vrinda"/>
+        <a:font script="Gujr" typeface="Shruti"/>
+        <a:font script="Khmr" typeface="DaunPenh"/>
+        <a:font script="Knda" typeface="Tunga"/>
+        <a:font script="Guru" typeface="Raavi"/>
+        <a:font script="Cans" typeface="Euphemia"/>
+        <a:font script="Cher" typeface="Plantagenet Cherokee"/>
+        <a:font script="Yiii" typeface="Microsoft Yi Baiti"/>
+        <a:font script="Tibt" typeface="Microsoft Himalaya"/>
+        <a:font script="Thaa" typeface="MV Boli"/>
+        <a:font script="Deva" typeface="Mangal"/>
+        <a:font script="Telu" typeface="Gautami"/>
+        <a:font script="Taml" typeface="Latha"/>
+        <a:font script="Syrc" typeface="Estrangelo Edessa"/>
+        <a:font script="Orya" typeface="Kalinga"/>
+        <a:font script="Mlym" typeface="Kartika"/>
+        <a:font script="Laoo" typeface="DokChampa"/>
+        <a:font script="Sinh" typeface="Iskoola Pota"/>
+        <a:font script="Mong" typeface="Mongolian Baiti"/>
+        <a:font script="Viet" typeface="Arial"/>
+        <a:font script="Uigh" typeface="Microsoft Uighur"/>
+        <a:font script="Geor" typeface="Sylfaen"/>
       </a:majorFont>
       <a:minorFont>
-        <a:latin typeface="Arial"/>
+        <a:latin typeface="Arial" panose="020B0604020202020204"/>
         <a:ea typeface=""/>
         <a:cs typeface=""/>
+        <a:font script="Jpan" typeface="ＭＳ Ｐゴシック"/>
+        <a:font script="Hang" typeface="굴림"/>
+        <a:font script="Hans" typeface="黑体"/>
+        <a:font script="Hant" typeface="微軟正黑體"/>
+        <a:font script="Arab" typeface="Arial"/>
+        <a:font script="Hebr" typeface="Arial"/>
+        <a:font script="Thai" typeface="Cordia New"/>
+        <a:font script="Ethi" typeface="Nyala"/>
+        <a:font script="Beng" typeface="Vrinda"/>
+        <a:font script="Gujr" typeface="Shruti"/>
+        <a:font script="Khmr" typeface="DaunPenh"/>
+        <a:font script="Knda" typeface="Tunga"/>
+        <a:font script="Guru" typeface="Raavi"/>
+        <a:font script="Cans" typeface="Euphemia"/>
+        <a:font script="Cher" typeface="Plantagenet Cherokee"/>
+        <a:font script="Yiii" typeface="Microsoft Yi Baiti"/>
+        <a:font script="Tibt" typeface="Microsoft Himalaya"/>
+        <a:font script="Thaa" typeface="MV Boli"/>
+        <a:font script="Deva" typeface="Mangal"/>
+        <a:font script="Telu" typeface="Gautami"/>
+        <a:font script="Taml" typeface="Latha"/>
+        <a:font script="Syrc" typeface="Estrangelo Edessa"/>
+        <a:font script="Orya" typeface="Kalinga"/>
+        <a:font script="Mlym" typeface="Kartika"/>
+        <a:font script="Laoo" typeface="DokChampa"/>
+        <a:font script="Sinh" typeface="Iskoola Pota"/>
+        <a:font script="Mong" typeface="Mongolian Baiti"/>
+        <a:font script="Viet" typeface="Arial"/>
+        <a:font script="Uigh" typeface="Microsoft Uighur"/>
+        <a:font script="Geor" typeface="Sylfaen"/>
       </a:minorFont>
     </a:fontScheme>
     <a:fmtScheme name="Office">

--- a/bao cao/BAO_CAO_FINAL.pptx
+++ b/bao cao/BAO_CAO_FINAL.pptx
@@ -3666,14 +3666,29 @@
           <a:lstStyle/>
           <a:p>
             <a:r>
+              <a:rPr lang="en-US" sz="2800" dirty="0">
+                <a:solidFill>
+                  <a:srgbClr val="FF0000"/>
+                </a:solidFill>
+                <a:latin typeface="+mn-lt"/>
+              </a:rPr>
+              <a:t>BÁO CÁO ĐỒ ÁN </a:t>
+            </a:r>
+            <a:r>
               <a:rPr lang="en-US" sz="2800">
                 <a:solidFill>
                   <a:srgbClr val="FF0000"/>
                 </a:solidFill>
                 <a:latin typeface="+mn-lt"/>
               </a:rPr>
-              <a:t>BÁO CÁO ĐỒ ÁN NIÊN LUẬN CƠ SỞ</a:t>
-            </a:r>
+              <a:t>NIÊN LUẬN NGÀNH</a:t>
+            </a:r>
+            <a:endParaRPr lang="en-US" sz="2800" dirty="0">
+              <a:solidFill>
+                <a:srgbClr val="FF0000"/>
+              </a:solidFill>
+              <a:latin typeface="+mn-lt"/>
+            </a:endParaRPr>
           </a:p>
         </p:txBody>
       </p:sp>
@@ -11562,7 +11577,13 @@
       </p:sp>
       <p:pic>
         <p:nvPicPr>
-          <p:cNvPr id="4" name="Picture 3"/>
+          <p:cNvPr id="3" name="Picture 2">
+            <a:extLst>
+              <a:ext uri="{FF2B5EF4-FFF2-40B4-BE49-F238E27FC236}">
+                <a16:creationId xmlns:a16="http://schemas.microsoft.com/office/drawing/2014/main" id="{4B514A62-5B04-4B49-ACBD-241036D587DD}"/>
+              </a:ext>
+            </a:extLst>
+          </p:cNvPr>
           <p:cNvPicPr>
             <a:picLocks noChangeAspect="1"/>
           </p:cNvPicPr>
@@ -11576,8 +11597,8 @@
         </p:blipFill>
         <p:spPr>
           <a:xfrm>
-            <a:off x="0" y="1371600"/>
-            <a:ext cx="9144000" cy="4979975"/>
+            <a:off x="0" y="1524000"/>
+            <a:ext cx="9144000" cy="4865783"/>
           </a:xfrm>
           <a:prstGeom prst="rect">
             <a:avLst/>
@@ -11663,7 +11684,7 @@
                                           </p:stCondLst>
                                         </p:cTn>
                                         <p:tgtEl>
-                                          <p:spTgt spid="4"/>
+                                          <p:spTgt spid="3"/>
                                         </p:tgtEl>
                                         <p:attrNameLst>
                                           <p:attrName>style.visibility</p:attrName>
@@ -11677,7 +11698,7 @@
                                       <p:cBhvr>
                                         <p:cTn id="10" dur="500"/>
                                         <p:tgtEl>
-                                          <p:spTgt spid="4"/>
+                                          <p:spTgt spid="3"/>
                                         </p:tgtEl>
                                       </p:cBhvr>
                                     </p:animEffect>
@@ -11757,16 +11778,146 @@
           <a:p>
             <a:pPr algn="l"/>
             <a:r>
-              <a:rPr lang="en-US" sz="3600" b="1">
+              <a:rPr lang="en-US" sz="3600" b="1" dirty="0">
                 <a:solidFill>
                   <a:schemeClr val="tx1"/>
                 </a:solidFill>
                 <a:latin typeface="+mn-lt"/>
                 <a:cs typeface="Times New Roman" panose="02020603050405020304" pitchFamily="18" charset="0"/>
               </a:rPr>
-              <a:t>II.3 Mô hình dữ liệu mức quan niệm</a:t>
-            </a:r>
-            <a:endParaRPr lang="en-US" sz="3600">
+              <a:t>II.3 </a:t>
+            </a:r>
+            <a:r>
+              <a:rPr lang="en-US" sz="3600" b="1" dirty="0" err="1">
+                <a:solidFill>
+                  <a:schemeClr val="tx1"/>
+                </a:solidFill>
+                <a:latin typeface="+mn-lt"/>
+                <a:cs typeface="Times New Roman" panose="02020603050405020304" pitchFamily="18" charset="0"/>
+              </a:rPr>
+              <a:t>Mô</a:t>
+            </a:r>
+            <a:r>
+              <a:rPr lang="en-US" sz="3600" b="1" dirty="0">
+                <a:solidFill>
+                  <a:schemeClr val="tx1"/>
+                </a:solidFill>
+                <a:latin typeface="+mn-lt"/>
+                <a:cs typeface="Times New Roman" panose="02020603050405020304" pitchFamily="18" charset="0"/>
+              </a:rPr>
+              <a:t> </a:t>
+            </a:r>
+            <a:r>
+              <a:rPr lang="en-US" sz="3600" b="1" dirty="0" err="1">
+                <a:solidFill>
+                  <a:schemeClr val="tx1"/>
+                </a:solidFill>
+                <a:latin typeface="+mn-lt"/>
+                <a:cs typeface="Times New Roman" panose="02020603050405020304" pitchFamily="18" charset="0"/>
+              </a:rPr>
+              <a:t>hình</a:t>
+            </a:r>
+            <a:r>
+              <a:rPr lang="en-US" sz="3600" b="1" dirty="0">
+                <a:solidFill>
+                  <a:schemeClr val="tx1"/>
+                </a:solidFill>
+                <a:latin typeface="+mn-lt"/>
+                <a:cs typeface="Times New Roman" panose="02020603050405020304" pitchFamily="18" charset="0"/>
+              </a:rPr>
+              <a:t> </a:t>
+            </a:r>
+            <a:r>
+              <a:rPr lang="en-US" sz="3600" b="1" dirty="0" err="1">
+                <a:solidFill>
+                  <a:schemeClr val="tx1"/>
+                </a:solidFill>
+                <a:latin typeface="+mn-lt"/>
+                <a:cs typeface="Times New Roman" panose="02020603050405020304" pitchFamily="18" charset="0"/>
+              </a:rPr>
+              <a:t>dữ</a:t>
+            </a:r>
+            <a:r>
+              <a:rPr lang="en-US" sz="3600" b="1" dirty="0">
+                <a:solidFill>
+                  <a:schemeClr val="tx1"/>
+                </a:solidFill>
+                <a:latin typeface="+mn-lt"/>
+                <a:cs typeface="Times New Roman" panose="02020603050405020304" pitchFamily="18" charset="0"/>
+              </a:rPr>
+              <a:t> </a:t>
+            </a:r>
+            <a:r>
+              <a:rPr lang="en-US" sz="3600" b="1" dirty="0" err="1">
+                <a:solidFill>
+                  <a:schemeClr val="tx1"/>
+                </a:solidFill>
+                <a:latin typeface="+mn-lt"/>
+                <a:cs typeface="Times New Roman" panose="02020603050405020304" pitchFamily="18" charset="0"/>
+              </a:rPr>
+              <a:t>liệu</a:t>
+            </a:r>
+            <a:r>
+              <a:rPr lang="en-US" sz="3600" b="1" dirty="0">
+                <a:solidFill>
+                  <a:schemeClr val="tx1"/>
+                </a:solidFill>
+                <a:latin typeface="+mn-lt"/>
+                <a:cs typeface="Times New Roman" panose="02020603050405020304" pitchFamily="18" charset="0"/>
+              </a:rPr>
+              <a:t> </a:t>
+            </a:r>
+            <a:r>
+              <a:rPr lang="en-US" sz="3600" b="1" dirty="0" err="1">
+                <a:solidFill>
+                  <a:schemeClr val="tx1"/>
+                </a:solidFill>
+                <a:latin typeface="+mn-lt"/>
+                <a:cs typeface="Times New Roman" panose="02020603050405020304" pitchFamily="18" charset="0"/>
+              </a:rPr>
+              <a:t>mức</a:t>
+            </a:r>
+            <a:r>
+              <a:rPr lang="en-US" sz="3600" b="1" dirty="0">
+                <a:solidFill>
+                  <a:schemeClr val="tx1"/>
+                </a:solidFill>
+                <a:latin typeface="+mn-lt"/>
+                <a:cs typeface="Times New Roman" panose="02020603050405020304" pitchFamily="18" charset="0"/>
+              </a:rPr>
+              <a:t> </a:t>
+            </a:r>
+            <a:r>
+              <a:rPr lang="en-US" sz="3600" b="1" dirty="0" err="1">
+                <a:solidFill>
+                  <a:schemeClr val="tx1"/>
+                </a:solidFill>
+                <a:latin typeface="+mn-lt"/>
+                <a:cs typeface="Times New Roman" panose="02020603050405020304" pitchFamily="18" charset="0"/>
+              </a:rPr>
+              <a:t>quan</a:t>
+            </a:r>
+            <a:r>
+              <a:rPr lang="en-US" sz="3600" b="1" dirty="0">
+                <a:solidFill>
+                  <a:schemeClr val="tx1"/>
+                </a:solidFill>
+                <a:latin typeface="+mn-lt"/>
+                <a:cs typeface="Times New Roman" panose="02020603050405020304" pitchFamily="18" charset="0"/>
+              </a:rPr>
+              <a:t> </a:t>
+            </a:r>
+            <a:r>
+              <a:rPr lang="en-US" sz="3600" b="1" dirty="0" err="1">
+                <a:solidFill>
+                  <a:schemeClr val="tx1"/>
+                </a:solidFill>
+                <a:latin typeface="+mn-lt"/>
+                <a:cs typeface="Times New Roman" panose="02020603050405020304" pitchFamily="18" charset="0"/>
+              </a:rPr>
+              <a:t>niệm</a:t>
+            </a:r>
+            <a:endParaRPr lang="en-US" sz="3600" dirty="0">
               <a:solidFill>
                 <a:schemeClr val="tx1"/>
               </a:solidFill>
@@ -11777,7 +11928,13 @@
       </p:sp>
       <p:pic>
         <p:nvPicPr>
-          <p:cNvPr id="6" name="Picture 5"/>
+          <p:cNvPr id="2" name="Picture 1">
+            <a:extLst>
+              <a:ext uri="{FF2B5EF4-FFF2-40B4-BE49-F238E27FC236}">
+                <a16:creationId xmlns:a16="http://schemas.microsoft.com/office/drawing/2014/main" id="{2AE1E9A5-24D0-4216-A072-68B8B3EC57C9}"/>
+              </a:ext>
+            </a:extLst>
+          </p:cNvPr>
           <p:cNvPicPr>
             <a:picLocks noChangeAspect="1"/>
           </p:cNvPicPr>
@@ -11791,8 +11948,8 @@
         </p:blipFill>
         <p:spPr>
           <a:xfrm>
-            <a:off x="841387" y="1295400"/>
-            <a:ext cx="7845413" cy="5144356"/>
+            <a:off x="685800" y="1263215"/>
+            <a:ext cx="7391400" cy="5596931"/>
           </a:xfrm>
           <a:prstGeom prst="rect">
             <a:avLst/>
@@ -11878,7 +12035,7 @@
                                           </p:stCondLst>
                                         </p:cTn>
                                         <p:tgtEl>
-                                          <p:spTgt spid="6"/>
+                                          <p:spTgt spid="2"/>
                                         </p:tgtEl>
                                         <p:attrNameLst>
                                           <p:attrName>style.visibility</p:attrName>
@@ -11892,7 +12049,7 @@
                                       <p:cBhvr>
                                         <p:cTn id="10" dur="500"/>
                                         <p:tgtEl>
-                                          <p:spTgt spid="6"/>
+                                          <p:spTgt spid="2"/>
                                         </p:tgtEl>
                                       </p:cBhvr>
                                     </p:animEffect>
@@ -12077,6 +12234,41 @@
                                         <p:cTn id="7" dur="500"/>
                                         <p:tgtEl>
                                           <p:spTgt spid="10"/>
+                                        </p:tgtEl>
+                                      </p:cBhvr>
+                                    </p:animEffect>
+                                  </p:childTnLst>
+                                </p:cTn>
+                              </p:par>
+                              <p:par>
+                                <p:cTn id="8" presetID="10" presetClass="entr" presetSubtype="0" fill="hold" nodeType="withEffect">
+                                  <p:stCondLst>
+                                    <p:cond delay="0"/>
+                                  </p:stCondLst>
+                                  <p:childTnLst>
+                                    <p:set>
+                                      <p:cBhvr>
+                                        <p:cTn id="9" dur="1" fill="hold">
+                                          <p:stCondLst>
+                                            <p:cond delay="0"/>
+                                          </p:stCondLst>
+                                        </p:cTn>
+                                        <p:tgtEl>
+                                          <p:spTgt spid="4"/>
+                                        </p:tgtEl>
+                                        <p:attrNameLst>
+                                          <p:attrName>style.visibility</p:attrName>
+                                        </p:attrNameLst>
+                                      </p:cBhvr>
+                                      <p:to>
+                                        <p:strVal val="visible"/>
+                                      </p:to>
+                                    </p:set>
+                                    <p:animEffect transition="in" filter="fade">
+                                      <p:cBhvr>
+                                        <p:cTn id="10" dur="500"/>
+                                        <p:tgtEl>
+                                          <p:spTgt spid="4"/>
                                         </p:tgtEl>
                                       </p:cBhvr>
                                     </p:animEffect>
